--- a/orga/Milstone_1.pptx
+++ b/orga/Milstone_1.pptx
@@ -16356,6 +16356,81 @@
           </a:p>
         </p:txBody>
       </p:sp>
+      <p:pic>
+        <p:nvPicPr>
+          <p:cNvPr id="9" name="图形 8" descr="日历">
+            <a:extLst>
+              <a:ext uri="{FF2B5EF4-FFF2-40B4-BE49-F238E27FC236}">
+                <a16:creationId xmlns:a16="http://schemas.microsoft.com/office/drawing/2014/main" id="{E18D4079-136E-484E-B8A0-B6951F244B43}"/>
+              </a:ext>
+            </a:extLst>
+          </p:cNvPr>
+          <p:cNvPicPr>
+            <a:picLocks noChangeAspect="1"/>
+          </p:cNvPicPr>
+          <p:nvPr/>
+        </p:nvPicPr>
+        <p:blipFill>
+          <a:blip r:embed="rId4">
+            <a:extLst>
+              <a:ext uri="{28A0092B-C50C-407E-A947-70E740481C1C}">
+                <a14:useLocalDpi xmlns:a14="http://schemas.microsoft.com/office/drawing/2010/main" val="0"/>
+              </a:ext>
+              <a:ext uri="{96DAC541-7B7A-43D3-8B79-37D633B846F1}">
+                <asvg:svgBlip xmlns:asvg="http://schemas.microsoft.com/office/drawing/2016/SVG/main" r:embed="rId5"/>
+              </a:ext>
+            </a:extLst>
+          </a:blip>
+          <a:stretch>
+            <a:fillRect/>
+          </a:stretch>
+        </p:blipFill>
+        <p:spPr>
+          <a:xfrm>
+            <a:off x="819797" y="933001"/>
+            <a:ext cx="674382" cy="674382"/>
+          </a:xfrm>
+          <a:prstGeom prst="rect">
+            <a:avLst/>
+          </a:prstGeom>
+        </p:spPr>
+      </p:pic>
+      <p:sp>
+        <p:nvSpPr>
+          <p:cNvPr id="10" name="文本框 9">
+            <a:extLst>
+              <a:ext uri="{FF2B5EF4-FFF2-40B4-BE49-F238E27FC236}">
+                <a16:creationId xmlns:a16="http://schemas.microsoft.com/office/drawing/2014/main" id="{AAE25130-F925-42AF-9C72-79E8A488631A}"/>
+              </a:ext>
+            </a:extLst>
+          </p:cNvPr>
+          <p:cNvSpPr txBox="1"/>
+          <p:nvPr/>
+        </p:nvSpPr>
+        <p:spPr>
+          <a:xfrm>
+            <a:off x="1494179" y="1033790"/>
+            <a:ext cx="2209800" cy="523220"/>
+          </a:xfrm>
+          <a:prstGeom prst="rect">
+            <a:avLst/>
+          </a:prstGeom>
+          <a:noFill/>
+        </p:spPr>
+        <p:txBody>
+          <a:bodyPr wrap="square" rtlCol="0">
+            <a:spAutoFit/>
+          </a:bodyPr>
+          <a:lstStyle/>
+          <a:p>
+            <a:r>
+              <a:rPr lang="en-US" altLang="zh-CN" sz="2800"/>
+              <a:t>Plan</a:t>
+            </a:r>
+            <a:endParaRPr lang="zh-CN" altLang="en-US" sz="2800" dirty="0"/>
+          </a:p>
+        </p:txBody>
+      </p:sp>
     </p:spTree>
     <p:extLst>
       <p:ext uri="{BB962C8B-B14F-4D97-AF65-F5344CB8AC3E}">

--- a/orga/Milstone_1.pptx
+++ b/orga/Milstone_1.pptx
@@ -5,15 +5,16 @@
     <p:sldMasterId id="2147483660" r:id="rId1"/>
   </p:sldMasterIdLst>
   <p:notesMasterIdLst>
-    <p:notesMasterId r:id="rId8"/>
+    <p:notesMasterId r:id="rId9"/>
   </p:notesMasterIdLst>
   <p:sldIdLst>
     <p:sldId id="256" r:id="rId2"/>
     <p:sldId id="336" r:id="rId3"/>
     <p:sldId id="337" r:id="rId4"/>
     <p:sldId id="338" r:id="rId5"/>
-    <p:sldId id="342" r:id="rId6"/>
-    <p:sldId id="329" r:id="rId7"/>
+    <p:sldId id="343" r:id="rId6"/>
+    <p:sldId id="342" r:id="rId7"/>
+    <p:sldId id="329" r:id="rId8"/>
   </p:sldIdLst>
   <p:sldSz cx="12192000" cy="6858000"/>
   <p:notesSz cx="6858000" cy="9144000"/>
@@ -121,6 +122,7 @@
             <p14:sldId id="336"/>
             <p14:sldId id="337"/>
             <p14:sldId id="338"/>
+            <p14:sldId id="343"/>
             <p14:sldId id="342"/>
             <p14:sldId id="329"/>
           </p14:sldIdLst>
@@ -3795,6 +3797,91 @@
     </p:spTree>
     <p:extLst>
       <p:ext uri="{BB962C8B-B14F-4D97-AF65-F5344CB8AC3E}">
+        <p14:creationId xmlns:p14="http://schemas.microsoft.com/office/powerpoint/2010/main" val="3899464879"/>
+      </p:ext>
+    </p:extLst>
+  </p:cSld>
+  <p:clrMapOvr>
+    <a:masterClrMapping/>
+  </p:clrMapOvr>
+</p:notes>
+</file>
+
+<file path=ppt/notesSlides/notesSlide6.xml><?xml version="1.0" encoding="utf-8"?>
+<p:notes xmlns:a="http://schemas.openxmlformats.org/drawingml/2006/main" xmlns:r="http://schemas.openxmlformats.org/officeDocument/2006/relationships" xmlns:p="http://schemas.openxmlformats.org/presentationml/2006/main">
+  <p:cSld>
+    <p:spTree>
+      <p:nvGrpSpPr>
+        <p:cNvPr id="1" name=""/>
+        <p:cNvGrpSpPr/>
+        <p:nvPr/>
+      </p:nvGrpSpPr>
+      <p:grpSpPr>
+        <a:xfrm>
+          <a:off x="0" y="0"/>
+          <a:ext cx="0" cy="0"/>
+          <a:chOff x="0" y="0"/>
+          <a:chExt cx="0" cy="0"/>
+        </a:xfrm>
+      </p:grpSpPr>
+      <p:sp>
+        <p:nvSpPr>
+          <p:cNvPr id="2" name="幻灯片图像占位符 1"/>
+          <p:cNvSpPr>
+            <a:spLocks noGrp="1" noRot="1" noChangeAspect="1"/>
+          </p:cNvSpPr>
+          <p:nvPr>
+            <p:ph type="sldImg"/>
+          </p:nvPr>
+        </p:nvSpPr>
+        <p:spPr/>
+      </p:sp>
+      <p:sp>
+        <p:nvSpPr>
+          <p:cNvPr id="3" name="备注占位符 2"/>
+          <p:cNvSpPr>
+            <a:spLocks noGrp="1"/>
+          </p:cNvSpPr>
+          <p:nvPr>
+            <p:ph type="body" idx="1"/>
+          </p:nvPr>
+        </p:nvSpPr>
+        <p:spPr/>
+        <p:txBody>
+          <a:bodyPr/>
+          <a:lstStyle/>
+          <a:p>
+            <a:endParaRPr lang="zh-CN" altLang="en-US" dirty="0"/>
+          </a:p>
+        </p:txBody>
+      </p:sp>
+      <p:sp>
+        <p:nvSpPr>
+          <p:cNvPr id="4" name="灯片编号占位符 3"/>
+          <p:cNvSpPr>
+            <a:spLocks noGrp="1"/>
+          </p:cNvSpPr>
+          <p:nvPr>
+            <p:ph type="sldNum" sz="quarter" idx="5"/>
+          </p:nvPr>
+        </p:nvSpPr>
+        <p:spPr/>
+        <p:txBody>
+          <a:bodyPr/>
+          <a:lstStyle/>
+          <a:p>
+            <a:fld id="{B009E50F-F78E-4BAA-81BB-4B3829CCDECC}" type="slidenum">
+              <a:rPr lang="de-DE" smtClean="0"/>
+              <a:pPr/>
+              <a:t>6</a:t>
+            </a:fld>
+            <a:endParaRPr lang="de-DE"/>
+          </a:p>
+        </p:txBody>
+      </p:sp>
+    </p:spTree>
+    <p:extLst>
+      <p:ext uri="{BB962C8B-B14F-4D97-AF65-F5344CB8AC3E}">
         <p14:creationId xmlns:p14="http://schemas.microsoft.com/office/powerpoint/2010/main" val="2634506185"/>
       </p:ext>
     </p:extLst>
@@ -3805,7 +3892,7 @@
 </p:notes>
 </file>
 
-<file path=ppt/notesSlides/notesSlide6.xml><?xml version="1.0" encoding="utf-8"?>
+<file path=ppt/notesSlides/notesSlide7.xml><?xml version="1.0" encoding="utf-8"?>
 <p:notes xmlns:a="http://schemas.openxmlformats.org/drawingml/2006/main" xmlns:r="http://schemas.openxmlformats.org/officeDocument/2006/relationships" xmlns:p="http://schemas.openxmlformats.org/presentationml/2006/main">
   <p:cSld>
     <p:spTree>
@@ -3871,7 +3958,7 @@
             <a:fld id="{B009E50F-F78E-4BAA-81BB-4B3829CCDECC}" type="slidenum">
               <a:rPr lang="de-DE" smtClean="0"/>
               <a:pPr/>
-              <a:t>6</a:t>
+              <a:t>7</a:t>
             </a:fld>
             <a:endParaRPr lang="de-DE"/>
           </a:p>
@@ -15612,8 +15699,8 @@
         </p:nvSpPr>
         <p:spPr>
           <a:xfrm>
-            <a:off x="5263103" y="5105778"/>
-            <a:ext cx="2031209" cy="307777"/>
+            <a:off x="5002627" y="5160867"/>
+            <a:ext cx="2585497" cy="307777"/>
           </a:xfrm>
           <a:prstGeom prst="rect">
             <a:avLst/>
@@ -15628,7 +15715,7 @@
           <a:p>
             <a:r>
               <a:rPr lang="en-US" altLang="zh-CN" sz="1400" dirty="0"/>
-              <a:t>Morphology algorithms</a:t>
+              <a:t>Morphology-based Algorithms</a:t>
             </a:r>
             <a:endParaRPr lang="zh-CN" altLang="en-US" sz="1400" dirty="0"/>
           </a:p>
@@ -15649,6 +15736,723 @@
 </file>
 
 <file path=ppt/slides/slide5.xml><?xml version="1.0" encoding="utf-8"?>
+<p:sld xmlns:a="http://schemas.openxmlformats.org/drawingml/2006/main" xmlns:r="http://schemas.openxmlformats.org/officeDocument/2006/relationships" xmlns:p="http://schemas.openxmlformats.org/presentationml/2006/main">
+  <p:cSld>
+    <p:spTree>
+      <p:nvGrpSpPr>
+        <p:cNvPr id="1" name=""/>
+        <p:cNvGrpSpPr/>
+        <p:nvPr/>
+      </p:nvGrpSpPr>
+      <p:grpSpPr>
+        <a:xfrm>
+          <a:off x="0" y="0"/>
+          <a:ext cx="0" cy="0"/>
+          <a:chOff x="0" y="0"/>
+          <a:chExt cx="0" cy="0"/>
+        </a:xfrm>
+      </p:grpSpPr>
+      <p:sp>
+        <p:nvSpPr>
+          <p:cNvPr id="3" name="Titel 2">
+            <a:extLst>
+              <a:ext uri="{FF2B5EF4-FFF2-40B4-BE49-F238E27FC236}">
+                <a16:creationId xmlns:a16="http://schemas.microsoft.com/office/drawing/2014/main" id="{9BB5B5F7-4C6F-6B46-BDBF-934CE7B532FE}"/>
+              </a:ext>
+            </a:extLst>
+          </p:cNvPr>
+          <p:cNvSpPr>
+            <a:spLocks noGrp="1"/>
+          </p:cNvSpPr>
+          <p:nvPr>
+            <p:ph type="title"/>
+          </p:nvPr>
+        </p:nvSpPr>
+        <p:spPr/>
+        <p:txBody>
+          <a:bodyPr/>
+          <a:lstStyle/>
+          <a:p>
+            <a:r>
+              <a:rPr lang="de-DE" altLang="zh-CN" dirty="0"/>
+              <a:t>Anonymization of dashcam recordings</a:t>
+            </a:r>
+            <a:endParaRPr lang="en-GB" dirty="0"/>
+          </a:p>
+        </p:txBody>
+      </p:sp>
+      <p:sp>
+        <p:nvSpPr>
+          <p:cNvPr id="4" name="Fußzeilenplatzhalter 3">
+            <a:extLst>
+              <a:ext uri="{FF2B5EF4-FFF2-40B4-BE49-F238E27FC236}">
+                <a16:creationId xmlns:a16="http://schemas.microsoft.com/office/drawing/2014/main" id="{34AFA53D-E115-7047-B2CB-E9AE85F5A517}"/>
+              </a:ext>
+            </a:extLst>
+          </p:cNvPr>
+          <p:cNvSpPr>
+            <a:spLocks noGrp="1"/>
+          </p:cNvSpPr>
+          <p:nvPr>
+            <p:ph type="ftr" sz="quarter" idx="10"/>
+          </p:nvPr>
+        </p:nvSpPr>
+        <p:spPr/>
+        <p:txBody>
+          <a:bodyPr/>
+          <a:lstStyle/>
+          <a:p>
+            <a:pPr>
+              <a:defRPr/>
+            </a:pPr>
+            <a:r>
+              <a:rPr lang="de-DE" dirty="0"/>
+              <a:t>DCAITI -Projekt </a:t>
+            </a:r>
+            <a:endParaRPr lang="en-US" dirty="0"/>
+          </a:p>
+        </p:txBody>
+      </p:sp>
+      <p:sp>
+        <p:nvSpPr>
+          <p:cNvPr id="5" name="Datumsplatzhalter 4">
+            <a:extLst>
+              <a:ext uri="{FF2B5EF4-FFF2-40B4-BE49-F238E27FC236}">
+                <a16:creationId xmlns:a16="http://schemas.microsoft.com/office/drawing/2014/main" id="{1F9374B0-FBEC-4547-9C0C-1CAC1987665D}"/>
+              </a:ext>
+            </a:extLst>
+          </p:cNvPr>
+          <p:cNvSpPr>
+            <a:spLocks noGrp="1"/>
+          </p:cNvSpPr>
+          <p:nvPr>
+            <p:ph type="dt" sz="half" idx="11"/>
+          </p:nvPr>
+        </p:nvSpPr>
+        <p:spPr>
+          <a:xfrm>
+            <a:off x="318922" y="6534000"/>
+            <a:ext cx="987896" cy="324000"/>
+          </a:xfrm>
+        </p:spPr>
+        <p:txBody>
+          <a:bodyPr>
+            <a:normAutofit/>
+          </a:bodyPr>
+          <a:lstStyle/>
+          <a:p>
+            <a:pPr>
+              <a:defRPr/>
+            </a:pPr>
+            <a:r>
+              <a:rPr lang="en-US" sz="1000" dirty="0"/>
+              <a:t>18.11.2020</a:t>
+            </a:r>
+          </a:p>
+        </p:txBody>
+      </p:sp>
+      <p:sp>
+        <p:nvSpPr>
+          <p:cNvPr id="6" name="Foliennummernplatzhalter 5">
+            <a:extLst>
+              <a:ext uri="{FF2B5EF4-FFF2-40B4-BE49-F238E27FC236}">
+                <a16:creationId xmlns:a16="http://schemas.microsoft.com/office/drawing/2014/main" id="{67B413B5-FADD-FC44-8FBA-397AE201F47A}"/>
+              </a:ext>
+            </a:extLst>
+          </p:cNvPr>
+          <p:cNvSpPr>
+            <a:spLocks noGrp="1"/>
+          </p:cNvSpPr>
+          <p:nvPr>
+            <p:ph type="sldNum" sz="quarter" idx="12"/>
+          </p:nvPr>
+        </p:nvSpPr>
+        <p:spPr/>
+        <p:txBody>
+          <a:bodyPr/>
+          <a:lstStyle/>
+          <a:p>
+            <a:pPr>
+              <a:defRPr/>
+            </a:pPr>
+            <a:fld id="{E2E3A879-3F40-4230-9C68-CBA9AEDBE0AF}" type="slidenum">
+              <a:rPr lang="en-US" smtClean="0"/>
+              <a:pPr>
+                <a:defRPr/>
+              </a:pPr>
+              <a:t>5</a:t>
+            </a:fld>
+            <a:endParaRPr lang="en-US" dirty="0"/>
+          </a:p>
+        </p:txBody>
+      </p:sp>
+      <p:pic>
+        <p:nvPicPr>
+          <p:cNvPr id="10" name="图片 9">
+            <a:extLst>
+              <a:ext uri="{FF2B5EF4-FFF2-40B4-BE49-F238E27FC236}">
+                <a16:creationId xmlns:a16="http://schemas.microsoft.com/office/drawing/2014/main" id="{9BF7EEBD-304C-469E-AAE6-79C167319C50}"/>
+              </a:ext>
+            </a:extLst>
+          </p:cNvPr>
+          <p:cNvPicPr>
+            <a:picLocks noChangeAspect="1"/>
+          </p:cNvPicPr>
+          <p:nvPr/>
+        </p:nvPicPr>
+        <p:blipFill>
+          <a:blip r:embed="rId3"/>
+          <a:stretch>
+            <a:fillRect/>
+          </a:stretch>
+        </p:blipFill>
+        <p:spPr>
+          <a:xfrm>
+            <a:off x="838200" y="947871"/>
+            <a:ext cx="646232" cy="652329"/>
+          </a:xfrm>
+          <a:prstGeom prst="rect">
+            <a:avLst/>
+          </a:prstGeom>
+        </p:spPr>
+      </p:pic>
+      <p:sp>
+        <p:nvSpPr>
+          <p:cNvPr id="14" name="文本框 13">
+            <a:extLst>
+              <a:ext uri="{FF2B5EF4-FFF2-40B4-BE49-F238E27FC236}">
+                <a16:creationId xmlns:a16="http://schemas.microsoft.com/office/drawing/2014/main" id="{DE855E49-D23F-41F4-BC57-B3C8BAF0CDB4}"/>
+              </a:ext>
+            </a:extLst>
+          </p:cNvPr>
+          <p:cNvSpPr txBox="1"/>
+          <p:nvPr/>
+        </p:nvSpPr>
+        <p:spPr>
+          <a:xfrm>
+            <a:off x="1440873" y="1000780"/>
+            <a:ext cx="2209800" cy="523220"/>
+          </a:xfrm>
+          <a:prstGeom prst="rect">
+            <a:avLst/>
+          </a:prstGeom>
+          <a:noFill/>
+        </p:spPr>
+        <p:txBody>
+          <a:bodyPr wrap="square" rtlCol="0">
+            <a:spAutoFit/>
+          </a:bodyPr>
+          <a:lstStyle/>
+          <a:p>
+            <a:r>
+              <a:rPr lang="en-US" altLang="zh-CN" sz="2800" dirty="0"/>
+              <a:t>Approach</a:t>
+            </a:r>
+            <a:endParaRPr lang="zh-CN" altLang="en-US" sz="2800" dirty="0"/>
+          </a:p>
+        </p:txBody>
+      </p:sp>
+      <p:pic>
+        <p:nvPicPr>
+          <p:cNvPr id="16" name="Picture 2" descr="BEVERLY HILLS/CALIFORNIA - JUNE 15, 2014:1970 Citroen 2CV &quot;Special Edition 3&quot; Autobooks-Aerobooks owner - John Wiser at the Rodeo Drive Concours D'Elegance June 15, 2014 Beverly Hills, California USA ">
+            <a:extLst>
+              <a:ext uri="{FF2B5EF4-FFF2-40B4-BE49-F238E27FC236}">
+                <a16:creationId xmlns:a16="http://schemas.microsoft.com/office/drawing/2014/main" id="{252A8AC2-EC1D-4E21-888B-70C8C4804575}"/>
+              </a:ext>
+            </a:extLst>
+          </p:cNvPr>
+          <p:cNvPicPr>
+            <a:picLocks noChangeAspect="1" noChangeArrowheads="1"/>
+          </p:cNvPicPr>
+          <p:nvPr/>
+        </p:nvPicPr>
+        <p:blipFill rotWithShape="1">
+          <a:blip r:embed="rId4">
+            <a:extLst>
+              <a:ext uri="{28A0092B-C50C-407E-A947-70E740481C1C}">
+                <a14:useLocalDpi xmlns:a14="http://schemas.microsoft.com/office/drawing/2010/main" val="0"/>
+              </a:ext>
+            </a:extLst>
+          </a:blip>
+          <a:srcRect/>
+          <a:stretch/>
+        </p:blipFill>
+        <p:spPr bwMode="auto">
+          <a:xfrm>
+            <a:off x="917864" y="2680828"/>
+            <a:ext cx="2748382" cy="1919287"/>
+          </a:xfrm>
+          <a:prstGeom prst="rect">
+            <a:avLst/>
+          </a:prstGeom>
+          <a:noFill/>
+          <a:extLst>
+            <a:ext uri="{909E8E84-426E-40DD-AFC4-6F175D3DCCD1}">
+              <a14:hiddenFill xmlns:a14="http://schemas.microsoft.com/office/drawing/2010/main">
+                <a:solidFill>
+                  <a:srgbClr val="FFFFFF"/>
+                </a:solidFill>
+              </a14:hiddenFill>
+            </a:ext>
+          </a:extLst>
+        </p:spPr>
+      </p:pic>
+      <p:pic>
+        <p:nvPicPr>
+          <p:cNvPr id="18" name="Picture 2" descr="BEVERLY HILLS/CALIFORNIA - JUNE 15, 2014:1970 Citroen 2CV &quot;Special Edition 3&quot; Autobooks-Aerobooks owner - John Wiser at the Rodeo Drive Concours D'Elegance June 15, 2014 Beverly Hills, California USA ">
+            <a:extLst>
+              <a:ext uri="{FF2B5EF4-FFF2-40B4-BE49-F238E27FC236}">
+                <a16:creationId xmlns:a16="http://schemas.microsoft.com/office/drawing/2014/main" id="{7BEC3BB7-EC15-4294-92E9-378587A92DDE}"/>
+              </a:ext>
+            </a:extLst>
+          </p:cNvPr>
+          <p:cNvPicPr>
+            <a:picLocks noChangeAspect="1" noChangeArrowheads="1"/>
+          </p:cNvPicPr>
+          <p:nvPr/>
+        </p:nvPicPr>
+        <p:blipFill>
+          <a:blip r:embed="rId4">
+            <a:extLst>
+              <a:ext uri="{28A0092B-C50C-407E-A947-70E740481C1C}">
+                <a14:useLocalDpi xmlns:a14="http://schemas.microsoft.com/office/drawing/2010/main" val="0"/>
+              </a:ext>
+            </a:extLst>
+          </a:blip>
+          <a:srcRect/>
+          <a:stretch>
+            <a:fillRect/>
+          </a:stretch>
+        </p:blipFill>
+        <p:spPr bwMode="auto">
+          <a:xfrm>
+            <a:off x="8763000" y="2688513"/>
+            <a:ext cx="2748382" cy="1919287"/>
+          </a:xfrm>
+          <a:prstGeom prst="rect">
+            <a:avLst/>
+          </a:prstGeom>
+          <a:noFill/>
+          <a:extLst>
+            <a:ext uri="{909E8E84-426E-40DD-AFC4-6F175D3DCCD1}">
+              <a14:hiddenFill xmlns:a14="http://schemas.microsoft.com/office/drawing/2010/main">
+                <a:solidFill>
+                  <a:srgbClr val="FFFFFF"/>
+                </a:solidFill>
+              </a14:hiddenFill>
+            </a:ext>
+          </a:extLst>
+        </p:spPr>
+      </p:pic>
+      <p:sp>
+        <p:nvSpPr>
+          <p:cNvPr id="20" name="矩形 19">
+            <a:extLst>
+              <a:ext uri="{FF2B5EF4-FFF2-40B4-BE49-F238E27FC236}">
+                <a16:creationId xmlns:a16="http://schemas.microsoft.com/office/drawing/2014/main" id="{92394AB6-547C-4FC2-8AAC-086885B3A1C5}"/>
+              </a:ext>
+            </a:extLst>
+          </p:cNvPr>
+          <p:cNvSpPr/>
+          <p:nvPr/>
+        </p:nvSpPr>
+        <p:spPr bwMode="auto">
+          <a:xfrm>
+            <a:off x="9504852" y="3743084"/>
+            <a:ext cx="609600" cy="124012"/>
+          </a:xfrm>
+          <a:prstGeom prst="rect">
+            <a:avLst/>
+          </a:prstGeom>
+          <a:solidFill>
+            <a:schemeClr val="tx1"/>
+          </a:solidFill>
+          <a:ln w="9525" cap="flat" cmpd="sng" algn="ctr">
+            <a:solidFill>
+              <a:schemeClr val="bg2"/>
+            </a:solidFill>
+            <a:prstDash val="solid"/>
+            <a:round/>
+            <a:headEnd type="none" w="med" len="med"/>
+            <a:tailEnd type="none" w="med" len="med"/>
+          </a:ln>
+          <a:effectLst/>
+        </p:spPr>
+        <p:txBody>
+          <a:bodyPr vert="horz" wrap="square" lIns="91440" tIns="45720" rIns="91440" bIns="45720" numCol="1" rtlCol="0" anchor="t" anchorCtr="0" compatLnSpc="1">
+            <a:prstTxWarp prst="textNoShape">
+              <a:avLst/>
+            </a:prstTxWarp>
+          </a:bodyPr>
+          <a:lstStyle/>
+          <a:p>
+            <a:pPr marL="0" marR="0" indent="0" algn="l" defTabSz="914400" rtl="0" eaLnBrk="0" fontAlgn="base" latinLnBrk="0" hangingPunct="0">
+              <a:lnSpc>
+                <a:spcPct val="100000"/>
+              </a:lnSpc>
+              <a:spcBef>
+                <a:spcPts val="1000"/>
+              </a:spcBef>
+              <a:spcAft>
+                <a:spcPct val="0"/>
+              </a:spcAft>
+              <a:buClrTx/>
+              <a:buSzTx/>
+              <a:buFontTx/>
+              <a:buNone/>
+              <a:tabLst/>
+            </a:pPr>
+            <a:endParaRPr kumimoji="0" lang="zh-CN" altLang="en-US" sz="1400" b="0" i="0" u="none" strike="noStrike" cap="none" normalizeH="0" baseline="0">
+              <a:ln>
+                <a:noFill/>
+              </a:ln>
+              <a:solidFill>
+                <a:schemeClr val="tx1"/>
+              </a:solidFill>
+              <a:effectLst/>
+              <a:latin typeface="Arial" charset="0"/>
+            </a:endParaRPr>
+          </a:p>
+        </p:txBody>
+      </p:sp>
+      <p:sp>
+        <p:nvSpPr>
+          <p:cNvPr id="22" name="矩形 21">
+            <a:extLst>
+              <a:ext uri="{FF2B5EF4-FFF2-40B4-BE49-F238E27FC236}">
+                <a16:creationId xmlns:a16="http://schemas.microsoft.com/office/drawing/2014/main" id="{C767786A-DDE5-41B6-AE63-8C560C2F989D}"/>
+              </a:ext>
+            </a:extLst>
+          </p:cNvPr>
+          <p:cNvSpPr/>
+          <p:nvPr/>
+        </p:nvSpPr>
+        <p:spPr bwMode="auto">
+          <a:xfrm>
+            <a:off x="11181252" y="2747506"/>
+            <a:ext cx="230362" cy="205190"/>
+          </a:xfrm>
+          <a:prstGeom prst="rect">
+            <a:avLst/>
+          </a:prstGeom>
+          <a:solidFill>
+            <a:schemeClr val="tx1"/>
+          </a:solidFill>
+          <a:ln w="9525" cap="flat" cmpd="sng" algn="ctr">
+            <a:solidFill>
+              <a:schemeClr val="bg2"/>
+            </a:solidFill>
+            <a:prstDash val="solid"/>
+            <a:round/>
+            <a:headEnd type="none" w="med" len="med"/>
+            <a:tailEnd type="none" w="med" len="med"/>
+          </a:ln>
+          <a:effectLst/>
+        </p:spPr>
+        <p:txBody>
+          <a:bodyPr vert="horz" wrap="square" lIns="91440" tIns="45720" rIns="91440" bIns="45720" numCol="1" rtlCol="0" anchor="t" anchorCtr="0" compatLnSpc="1">
+            <a:prstTxWarp prst="textNoShape">
+              <a:avLst/>
+            </a:prstTxWarp>
+          </a:bodyPr>
+          <a:lstStyle/>
+          <a:p>
+            <a:pPr marL="0" marR="0" indent="0" algn="l" defTabSz="914400" rtl="0" eaLnBrk="0" fontAlgn="base" latinLnBrk="0" hangingPunct="0">
+              <a:lnSpc>
+                <a:spcPct val="100000"/>
+              </a:lnSpc>
+              <a:spcBef>
+                <a:spcPts val="1000"/>
+              </a:spcBef>
+              <a:spcAft>
+                <a:spcPct val="0"/>
+              </a:spcAft>
+              <a:buClrTx/>
+              <a:buSzTx/>
+              <a:buFontTx/>
+              <a:buNone/>
+              <a:tabLst/>
+            </a:pPr>
+            <a:endParaRPr kumimoji="0" lang="zh-CN" altLang="en-US" sz="1400" b="0" i="0" u="none" strike="noStrike" cap="none" normalizeH="0" baseline="0">
+              <a:ln>
+                <a:noFill/>
+              </a:ln>
+              <a:solidFill>
+                <a:schemeClr val="tx1"/>
+              </a:solidFill>
+              <a:effectLst/>
+              <a:latin typeface="Arial" charset="0"/>
+            </a:endParaRPr>
+          </a:p>
+        </p:txBody>
+      </p:sp>
+      <p:pic>
+        <p:nvPicPr>
+          <p:cNvPr id="53" name="图片 52">
+            <a:extLst>
+              <a:ext uri="{FF2B5EF4-FFF2-40B4-BE49-F238E27FC236}">
+                <a16:creationId xmlns:a16="http://schemas.microsoft.com/office/drawing/2014/main" id="{EE322E49-F821-4B35-877B-AEA6B9DCBBF7}"/>
+              </a:ext>
+            </a:extLst>
+          </p:cNvPr>
+          <p:cNvPicPr>
+            <a:picLocks noChangeAspect="1"/>
+          </p:cNvPicPr>
+          <p:nvPr/>
+        </p:nvPicPr>
+        <p:blipFill>
+          <a:blip r:embed="rId5" cstate="print">
+            <a:extLst>
+              <a:ext uri="{28A0092B-C50C-407E-A947-70E740481C1C}">
+                <a14:useLocalDpi xmlns:a14="http://schemas.microsoft.com/office/drawing/2010/main" val="0"/>
+              </a:ext>
+            </a:extLst>
+          </a:blip>
+          <a:stretch>
+            <a:fillRect/>
+          </a:stretch>
+        </p:blipFill>
+        <p:spPr>
+          <a:xfrm>
+            <a:off x="4089255" y="3270687"/>
+            <a:ext cx="1091131" cy="640626"/>
+          </a:xfrm>
+          <a:prstGeom prst="rect">
+            <a:avLst/>
+          </a:prstGeom>
+        </p:spPr>
+      </p:pic>
+      <p:cxnSp>
+        <p:nvCxnSpPr>
+          <p:cNvPr id="59" name="直接箭头连接符 58">
+            <a:extLst>
+              <a:ext uri="{FF2B5EF4-FFF2-40B4-BE49-F238E27FC236}">
+                <a16:creationId xmlns:a16="http://schemas.microsoft.com/office/drawing/2014/main" id="{6D63DDF9-B9E2-4C16-B189-F1E1FF1D738B}"/>
+              </a:ext>
+            </a:extLst>
+          </p:cNvPr>
+          <p:cNvCxnSpPr>
+            <a:cxnSpLocks/>
+          </p:cNvCxnSpPr>
+          <p:nvPr/>
+        </p:nvCxnSpPr>
+        <p:spPr bwMode="auto">
+          <a:xfrm>
+            <a:off x="3865017" y="3962400"/>
+            <a:ext cx="1657009" cy="0"/>
+          </a:xfrm>
+          <a:prstGeom prst="straightConnector1">
+            <a:avLst/>
+          </a:prstGeom>
+          <a:ln>
+            <a:headEnd type="none" w="med" len="med"/>
+            <a:tailEnd type="triangle"/>
+          </a:ln>
+        </p:spPr>
+        <p:style>
+          <a:lnRef idx="1">
+            <a:schemeClr val="dk1"/>
+          </a:lnRef>
+          <a:fillRef idx="0">
+            <a:schemeClr val="dk1"/>
+          </a:fillRef>
+          <a:effectRef idx="0">
+            <a:schemeClr val="dk1"/>
+          </a:effectRef>
+          <a:fontRef idx="minor">
+            <a:schemeClr val="tx1"/>
+          </a:fontRef>
+        </p:style>
+      </p:cxnSp>
+      <p:cxnSp>
+        <p:nvCxnSpPr>
+          <p:cNvPr id="67" name="直接箭头连接符 66">
+            <a:extLst>
+              <a:ext uri="{FF2B5EF4-FFF2-40B4-BE49-F238E27FC236}">
+                <a16:creationId xmlns:a16="http://schemas.microsoft.com/office/drawing/2014/main" id="{77D073C0-8BC4-4344-9ABC-050B718A003A}"/>
+              </a:ext>
+            </a:extLst>
+          </p:cNvPr>
+          <p:cNvCxnSpPr>
+            <a:cxnSpLocks/>
+          </p:cNvCxnSpPr>
+          <p:nvPr/>
+        </p:nvCxnSpPr>
+        <p:spPr bwMode="auto">
+          <a:xfrm flipV="1">
+            <a:off x="6813119" y="3942879"/>
+            <a:ext cx="1686298" cy="2"/>
+          </a:xfrm>
+          <a:prstGeom prst="straightConnector1">
+            <a:avLst/>
+          </a:prstGeom>
+          <a:ln>
+            <a:headEnd type="none" w="med" len="med"/>
+            <a:tailEnd type="triangle"/>
+          </a:ln>
+        </p:spPr>
+        <p:style>
+          <a:lnRef idx="1">
+            <a:schemeClr val="dk1"/>
+          </a:lnRef>
+          <a:fillRef idx="0">
+            <a:schemeClr val="dk1"/>
+          </a:fillRef>
+          <a:effectRef idx="0">
+            <a:schemeClr val="dk1"/>
+          </a:effectRef>
+          <a:fontRef idx="minor">
+            <a:schemeClr val="tx1"/>
+          </a:fontRef>
+        </p:style>
+      </p:cxnSp>
+      <p:sp>
+        <p:nvSpPr>
+          <p:cNvPr id="71" name="文本框 70">
+            <a:extLst>
+              <a:ext uri="{FF2B5EF4-FFF2-40B4-BE49-F238E27FC236}">
+                <a16:creationId xmlns:a16="http://schemas.microsoft.com/office/drawing/2014/main" id="{FCC962AC-8B31-46FE-AB5E-BE3570CB952F}"/>
+              </a:ext>
+            </a:extLst>
+          </p:cNvPr>
+          <p:cNvSpPr txBox="1"/>
+          <p:nvPr/>
+        </p:nvSpPr>
+        <p:spPr>
+          <a:xfrm>
+            <a:off x="6907219" y="3381654"/>
+            <a:ext cx="2585497" cy="523220"/>
+          </a:xfrm>
+          <a:prstGeom prst="rect">
+            <a:avLst/>
+          </a:prstGeom>
+          <a:noFill/>
+        </p:spPr>
+        <p:txBody>
+          <a:bodyPr wrap="square" rtlCol="0">
+            <a:spAutoFit/>
+          </a:bodyPr>
+          <a:lstStyle/>
+          <a:p>
+            <a:r>
+              <a:rPr lang="en-US" altLang="zh-CN" sz="1400" dirty="0"/>
+              <a:t>Morphology-based </a:t>
+            </a:r>
+          </a:p>
+          <a:p>
+            <a:r>
+              <a:rPr lang="en-US" altLang="zh-CN" sz="1400" dirty="0"/>
+              <a:t>Algorithms</a:t>
+            </a:r>
+            <a:endParaRPr lang="zh-CN" altLang="en-US" sz="1400" dirty="0"/>
+          </a:p>
+        </p:txBody>
+      </p:sp>
+      <p:pic>
+        <p:nvPicPr>
+          <p:cNvPr id="2" name="Picture 2" descr="BEVERLY HILLS/CALIFORNIA - JUNE 15, 2014:1970 Citroen 2CV &quot;Special Edition 3&quot; Autobooks-Aerobooks owner - John Wiser at the Rodeo Drive Concours D'Elegance June 15, 2014 Beverly Hills, California USA ">
+            <a:extLst>
+              <a:ext uri="{FF2B5EF4-FFF2-40B4-BE49-F238E27FC236}">
+                <a16:creationId xmlns:a16="http://schemas.microsoft.com/office/drawing/2014/main" id="{65EA83ED-6354-49C2-B3CC-97B3B0163A5B}"/>
+              </a:ext>
+            </a:extLst>
+          </p:cNvPr>
+          <p:cNvPicPr>
+            <a:picLocks noChangeAspect="1" noChangeArrowheads="1"/>
+          </p:cNvPicPr>
+          <p:nvPr/>
+        </p:nvPicPr>
+        <p:blipFill rotWithShape="1">
+          <a:blip r:embed="rId6" cstate="print">
+            <a:extLst>
+              <a:ext uri="{28A0092B-C50C-407E-A947-70E740481C1C}">
+                <a14:useLocalDpi xmlns:a14="http://schemas.microsoft.com/office/drawing/2010/main" val="0"/>
+              </a:ext>
+            </a:extLst>
+          </a:blip>
+          <a:srcRect l="12536" t="7407" r="23696" b="13719"/>
+          <a:stretch/>
+        </p:blipFill>
+        <p:spPr bwMode="auto">
+          <a:xfrm>
+            <a:off x="5742919" y="2545258"/>
+            <a:ext cx="943408" cy="814875"/>
+          </a:xfrm>
+          <a:prstGeom prst="rect">
+            <a:avLst/>
+          </a:prstGeom>
+          <a:noFill/>
+          <a:extLst>
+            <a:ext uri="{909E8E84-426E-40DD-AFC4-6F175D3DCCD1}">
+              <a14:hiddenFill xmlns:a14="http://schemas.microsoft.com/office/drawing/2010/main">
+                <a:solidFill>
+                  <a:srgbClr val="FFFFFF"/>
+                </a:solidFill>
+              </a14:hiddenFill>
+            </a:ext>
+          </a:extLst>
+        </p:spPr>
+      </p:pic>
+      <p:pic>
+        <p:nvPicPr>
+          <p:cNvPr id="7" name="Picture 2" descr="BEVERLY HILLS/CALIFORNIA - JUNE 15, 2014:1970 Citroen 2CV &quot;Special Edition 3&quot; Autobooks-Aerobooks owner - John Wiser at the Rodeo Drive Concours D'Elegance June 15, 2014 Beverly Hills, California USA ">
+            <a:extLst>
+              <a:ext uri="{FF2B5EF4-FFF2-40B4-BE49-F238E27FC236}">
+                <a16:creationId xmlns:a16="http://schemas.microsoft.com/office/drawing/2014/main" id="{1AFD7AD7-F4EF-4683-867F-7214164045D4}"/>
+              </a:ext>
+            </a:extLst>
+          </p:cNvPr>
+          <p:cNvPicPr>
+            <a:picLocks noChangeAspect="1" noChangeArrowheads="1"/>
+          </p:cNvPicPr>
+          <p:nvPr/>
+        </p:nvPicPr>
+        <p:blipFill rotWithShape="1">
+          <a:blip r:embed="rId4" cstate="print">
+            <a:extLst>
+              <a:ext uri="{28A0092B-C50C-407E-A947-70E740481C1C}">
+                <a14:useLocalDpi xmlns:a14="http://schemas.microsoft.com/office/drawing/2010/main" val="0"/>
+              </a:ext>
+            </a:extLst>
+          </a:blip>
+          <a:srcRect l="82857" r="760" b="32921"/>
+          <a:stretch/>
+        </p:blipFill>
+        <p:spPr bwMode="auto">
+          <a:xfrm>
+            <a:off x="6051289" y="3475873"/>
+            <a:ext cx="326667" cy="934012"/>
+          </a:xfrm>
+          <a:prstGeom prst="rect">
+            <a:avLst/>
+          </a:prstGeom>
+          <a:noFill/>
+          <a:extLst>
+            <a:ext uri="{909E8E84-426E-40DD-AFC4-6F175D3DCCD1}">
+              <a14:hiddenFill xmlns:a14="http://schemas.microsoft.com/office/drawing/2010/main">
+                <a:solidFill>
+                  <a:srgbClr val="FFFFFF"/>
+                </a:solidFill>
+              </a14:hiddenFill>
+            </a:ext>
+          </a:extLst>
+        </p:spPr>
+      </p:pic>
+    </p:spTree>
+    <p:extLst>
+      <p:ext uri="{BB962C8B-B14F-4D97-AF65-F5344CB8AC3E}">
+        <p14:creationId xmlns:p14="http://schemas.microsoft.com/office/powerpoint/2010/main" val="3474208663"/>
+      </p:ext>
+    </p:extLst>
+  </p:cSld>
+  <p:clrMapOvr>
+    <a:masterClrMapping/>
+  </p:clrMapOvr>
+  <p:transition/>
+</p:sld>
+</file>
+
+<file path=ppt/slides/slide6.xml><?xml version="1.0" encoding="utf-8"?>
 <p:sld xmlns:a="http://schemas.openxmlformats.org/drawingml/2006/main" xmlns:r="http://schemas.openxmlformats.org/officeDocument/2006/relationships" xmlns:p="http://schemas.openxmlformats.org/presentationml/2006/main">
   <p:cSld>
     <p:spTree>
@@ -15828,7 +16632,7 @@
               <a:pPr>
                 <a:defRPr/>
               </a:pPr>
-              <a:t>5</a:t>
+              <a:t>6</a:t>
             </a:fld>
             <a:endParaRPr lang="en-US" dirty="0"/>
           </a:p>
@@ -16370,7 +17174,7 @@
 </p:sld>
 </file>
 
-<file path=ppt/slides/slide6.xml><?xml version="1.0" encoding="utf-8"?>
+<file path=ppt/slides/slide7.xml><?xml version="1.0" encoding="utf-8"?>
 <p:sld xmlns:a="http://schemas.openxmlformats.org/drawingml/2006/main" xmlns:r="http://schemas.openxmlformats.org/officeDocument/2006/relationships" xmlns:p="http://schemas.openxmlformats.org/presentationml/2006/main">
   <p:cSld>
     <p:spTree>

--- a/orga/Milstone_1.pptx
+++ b/orga/Milstone_1.pptx
@@ -3111,7 +3111,7 @@
             <a:fld id="{72FBEB5C-AB3C-4371-8EA9-1CE6658031B0}" type="datetimeFigureOut">
               <a:rPr lang="de-DE" smtClean="0"/>
               <a:pPr/>
-              <a:t>17.11.2020</a:t>
+              <a:t>18.11.2020</a:t>
             </a:fld>
             <a:endParaRPr lang="de-DE"/>
           </a:p>
@@ -4057,7 +4057,7 @@
           <a:p>
             <a:fld id="{2B52DEB2-227A-461E-9B70-C0009E096876}" type="datetime1">
               <a:rPr lang="de-DE" smtClean="0"/>
-              <a:t>17.11.2020</a:t>
+              <a:t>18.11.2020</a:t>
             </a:fld>
             <a:endParaRPr lang="de-DE" dirty="0"/>
           </a:p>
@@ -4428,7 +4428,7 @@
           <a:p>
             <a:fld id="{23F6D65F-B93F-4008-B774-364184B66973}" type="datetime1">
               <a:rPr lang="de-DE" smtClean="0"/>
-              <a:t>17.11.2020</a:t>
+              <a:t>18.11.2020</a:t>
             </a:fld>
             <a:endParaRPr lang="de-DE" dirty="0"/>
           </a:p>
@@ -4891,7 +4891,7 @@
           <a:p>
             <a:fld id="{8D476963-B6B7-4A90-9BDD-768DE33FAF15}" type="datetime1">
               <a:rPr lang="de-DE" smtClean="0"/>
-              <a:t>17.11.2020</a:t>
+              <a:t>18.11.2020</a:t>
             </a:fld>
             <a:endParaRPr lang="de-DE" dirty="0"/>
           </a:p>
@@ -5074,7 +5074,7 @@
           <a:p>
             <a:fld id="{14039983-D1E5-4EBE-B695-657E203F084B}" type="datetime1">
               <a:rPr lang="de-DE" smtClean="0"/>
-              <a:t>17.11.2020</a:t>
+              <a:t>18.11.2020</a:t>
             </a:fld>
             <a:endParaRPr lang="de-DE" dirty="0"/>
           </a:p>
@@ -5292,7 +5292,7 @@
           <a:p>
             <a:fld id="{F01DDA0A-1527-4265-A0D7-D8CF01F0B031}" type="datetime1">
               <a:rPr lang="de-DE" smtClean="0"/>
-              <a:t>17.11.2020</a:t>
+              <a:t>18.11.2020</a:t>
             </a:fld>
             <a:endParaRPr lang="de-DE" dirty="0"/>
           </a:p>
@@ -5540,7 +5540,7 @@
           <a:p>
             <a:fld id="{8A2B48D0-84E9-47CA-BAC1-F58C3F2B050B}" type="datetime1">
               <a:rPr lang="de-DE" smtClean="0"/>
-              <a:t>17.11.2020</a:t>
+              <a:t>18.11.2020</a:t>
             </a:fld>
             <a:endParaRPr lang="de-DE" dirty="0"/>
           </a:p>
@@ -5852,7 +5852,7 @@
           <a:p>
             <a:fld id="{2FFA32A7-E098-402A-BF39-D0EA59A5E111}" type="datetime1">
               <a:rPr lang="de-DE" smtClean="0"/>
-              <a:t>17.11.2020</a:t>
+              <a:t>18.11.2020</a:t>
             </a:fld>
             <a:endParaRPr lang="de-DE" dirty="0"/>
           </a:p>
@@ -6156,7 +6156,7 @@
           <a:p>
             <a:fld id="{B1CAD193-DA5E-4576-BA67-3451E84F1358}" type="datetime1">
               <a:rPr lang="de-DE" smtClean="0"/>
-              <a:t>17.11.2020</a:t>
+              <a:t>18.11.2020</a:t>
             </a:fld>
             <a:endParaRPr lang="de-DE" dirty="0"/>
           </a:p>
@@ -6412,7 +6412,7 @@
           <a:p>
             <a:fld id="{F0DD4F01-90C6-4FAD-B0C2-BB5BD3AAC4AE}" type="datetime1">
               <a:rPr lang="de-DE" smtClean="0"/>
-              <a:t>17.11.2020</a:t>
+              <a:t>18.11.2020</a:t>
             </a:fld>
             <a:endParaRPr lang="de-DE" dirty="0"/>
           </a:p>
@@ -7251,7 +7251,7 @@
           <a:p>
             <a:fld id="{F13DDC84-DC5C-4860-9759-2103E63B210C}" type="datetime1">
               <a:rPr lang="de-DE" smtClean="0"/>
-              <a:t>17.11.2020</a:t>
+              <a:t>18.11.2020</a:t>
             </a:fld>
             <a:endParaRPr lang="de-DE" dirty="0"/>
           </a:p>
@@ -16770,91 +16770,6 @@
       </p:sp>
       <p:cxnSp>
         <p:nvCxnSpPr>
-          <p:cNvPr id="40" name="连接符: 肘形 39">
-            <a:extLst>
-              <a:ext uri="{FF2B5EF4-FFF2-40B4-BE49-F238E27FC236}">
-                <a16:creationId xmlns:a16="http://schemas.microsoft.com/office/drawing/2014/main" id="{AA5EBEE1-6AEA-4602-9C76-DFADC5F2224A}"/>
-              </a:ext>
-            </a:extLst>
-          </p:cNvPr>
-          <p:cNvCxnSpPr>
-            <a:cxnSpLocks/>
-          </p:cNvCxnSpPr>
-          <p:nvPr/>
-        </p:nvCxnSpPr>
-        <p:spPr bwMode="auto">
-          <a:xfrm rot="5400000" flipH="1" flipV="1">
-            <a:off x="6186054" y="3567547"/>
-            <a:ext cx="1551800" cy="1274709"/>
-          </a:xfrm>
-          <a:prstGeom prst="bentConnector3">
-            <a:avLst>
-              <a:gd name="adj1" fmla="val 1119"/>
-            </a:avLst>
-          </a:prstGeom>
-          <a:ln w="12700" cap="flat" cmpd="sng" algn="ctr">
-            <a:solidFill>
-              <a:schemeClr val="dk1"/>
-            </a:solidFill>
-            <a:prstDash val="solid"/>
-            <a:round/>
-            <a:headEnd type="none" w="med" len="med"/>
-            <a:tailEnd type="diamond" w="lg" len="lg"/>
-          </a:ln>
-        </p:spPr>
-        <p:style>
-          <a:lnRef idx="0">
-            <a:scrgbClr r="0" g="0" b="0"/>
-          </a:lnRef>
-          <a:fillRef idx="0">
-            <a:scrgbClr r="0" g="0" b="0"/>
-          </a:fillRef>
-          <a:effectRef idx="0">
-            <a:scrgbClr r="0" g="0" b="0"/>
-          </a:effectRef>
-          <a:fontRef idx="minor">
-            <a:schemeClr val="tx1"/>
-          </a:fontRef>
-        </p:style>
-      </p:cxnSp>
-      <p:sp>
-        <p:nvSpPr>
-          <p:cNvPr id="43" name="文本框 42">
-            <a:extLst>
-              <a:ext uri="{FF2B5EF4-FFF2-40B4-BE49-F238E27FC236}">
-                <a16:creationId xmlns:a16="http://schemas.microsoft.com/office/drawing/2014/main" id="{24E6D002-F8D1-4890-A4F1-597869FC911F}"/>
-              </a:ext>
-            </a:extLst>
-          </p:cNvPr>
-          <p:cNvSpPr txBox="1"/>
-          <p:nvPr/>
-        </p:nvSpPr>
-        <p:spPr>
-          <a:xfrm>
-            <a:off x="6258791" y="4597569"/>
-            <a:ext cx="2209800" cy="369332"/>
-          </a:xfrm>
-          <a:prstGeom prst="rect">
-            <a:avLst/>
-          </a:prstGeom>
-          <a:noFill/>
-        </p:spPr>
-        <p:txBody>
-          <a:bodyPr wrap="square" rtlCol="0">
-            <a:spAutoFit/>
-          </a:bodyPr>
-          <a:lstStyle/>
-          <a:p>
-            <a:r>
-              <a:rPr lang="en-US" altLang="zh-CN" dirty="0"/>
-              <a:t>Milestone 2</a:t>
-            </a:r>
-            <a:endParaRPr lang="zh-CN" altLang="en-US" dirty="0"/>
-          </a:p>
-        </p:txBody>
-      </p:sp>
-      <p:cxnSp>
-        <p:nvCxnSpPr>
           <p:cNvPr id="46" name="连接符: 肘形 45">
             <a:extLst>
               <a:ext uri="{FF2B5EF4-FFF2-40B4-BE49-F238E27FC236}">
@@ -16869,12 +16784,12 @@
         </p:nvCxnSpPr>
         <p:spPr bwMode="auto">
           <a:xfrm flipV="1">
-            <a:off x="8458200" y="3867570"/>
-            <a:ext cx="1337182" cy="1085431"/>
+            <a:off x="8991599" y="4099223"/>
+            <a:ext cx="1905001" cy="918309"/>
           </a:xfrm>
           <a:prstGeom prst="bentConnector3">
             <a:avLst>
-              <a:gd name="adj1" fmla="val 99733"/>
+              <a:gd name="adj1" fmla="val 100233"/>
             </a:avLst>
           </a:prstGeom>
           <a:ln w="12700" cap="flat" cmpd="sng" algn="ctr">
@@ -16916,7 +16831,7 @@
         </p:nvSpPr>
         <p:spPr>
           <a:xfrm>
-            <a:off x="8406464" y="4575648"/>
+            <a:off x="8991600" y="4648200"/>
             <a:ext cx="2209800" cy="369332"/>
           </a:xfrm>
           <a:prstGeom prst="rect">
@@ -16932,80 +16847,9 @@
           <a:p>
             <a:r>
               <a:rPr lang="en-US" altLang="zh-CN" dirty="0"/>
-              <a:t>Milestone 3</a:t>
+              <a:t>Final Submission</a:t>
             </a:r>
             <a:endParaRPr lang="zh-CN" altLang="en-US" dirty="0"/>
-          </a:p>
-        </p:txBody>
-      </p:sp>
-      <p:sp>
-        <p:nvSpPr>
-          <p:cNvPr id="65" name="文本框 64">
-            <a:extLst>
-              <a:ext uri="{FF2B5EF4-FFF2-40B4-BE49-F238E27FC236}">
-                <a16:creationId xmlns:a16="http://schemas.microsoft.com/office/drawing/2014/main" id="{3FFB2491-E9C0-49C8-8E35-035059EF112E}"/>
-              </a:ext>
-            </a:extLst>
-          </p:cNvPr>
-          <p:cNvSpPr txBox="1"/>
-          <p:nvPr/>
-        </p:nvSpPr>
-        <p:spPr>
-          <a:xfrm>
-            <a:off x="8132616" y="5083443"/>
-            <a:ext cx="2209800" cy="701731"/>
-          </a:xfrm>
-          <a:prstGeom prst="rect">
-            <a:avLst/>
-          </a:prstGeom>
-          <a:noFill/>
-        </p:spPr>
-        <p:txBody>
-          <a:bodyPr wrap="square" rtlCol="0">
-            <a:spAutoFit/>
-          </a:bodyPr>
-          <a:lstStyle/>
-          <a:p>
-            <a:pPr marL="285750" lvl="1" indent="-285750" algn="l" defTabSz="1244600">
-              <a:spcBef>
-                <a:spcPct val="0"/>
-              </a:spcBef>
-              <a:spcAft>
-                <a:spcPct val="15000"/>
-              </a:spcAft>
-              <a:buChar char="•"/>
-            </a:pPr>
-            <a:r>
-              <a:rPr lang="en-US" altLang="zh-CN" sz="1200" dirty="0"/>
-              <a:t>Benchmark report</a:t>
-            </a:r>
-          </a:p>
-          <a:p>
-            <a:pPr marL="285750" lvl="1" indent="-285750" algn="l" defTabSz="1244600">
-              <a:spcBef>
-                <a:spcPct val="0"/>
-              </a:spcBef>
-              <a:spcAft>
-                <a:spcPct val="15000"/>
-              </a:spcAft>
-              <a:buChar char="•"/>
-            </a:pPr>
-            <a:r>
-              <a:rPr lang="en-US" altLang="zh-CN" sz="1200" kern="1200" dirty="0"/>
-              <a:t>Code cleanup and freeze</a:t>
-            </a:r>
-          </a:p>
-          <a:p>
-            <a:pPr marL="285750" lvl="1" indent="-285750" algn="l" defTabSz="1244600">
-              <a:spcBef>
-                <a:spcPct val="0"/>
-              </a:spcBef>
-              <a:spcAft>
-                <a:spcPct val="15000"/>
-              </a:spcAft>
-              <a:buChar char="•"/>
-            </a:pPr>
-            <a:endParaRPr lang="en-US" altLang="zh-CN" sz="1200" dirty="0"/>
           </a:p>
         </p:txBody>
       </p:sp>
@@ -17068,12 +16912,61 @@
           </a:p>
         </p:txBody>
       </p:sp>
+      <p:cxnSp>
+        <p:nvCxnSpPr>
+          <p:cNvPr id="17" name="连接符: 肘形 16">
+            <a:extLst>
+              <a:ext uri="{FF2B5EF4-FFF2-40B4-BE49-F238E27FC236}">
+                <a16:creationId xmlns:a16="http://schemas.microsoft.com/office/drawing/2014/main" id="{C918288E-B68C-47F5-8CC1-1B6D10B8A2A6}"/>
+              </a:ext>
+            </a:extLst>
+          </p:cNvPr>
+          <p:cNvCxnSpPr>
+            <a:cxnSpLocks/>
+          </p:cNvCxnSpPr>
+          <p:nvPr/>
+        </p:nvCxnSpPr>
+        <p:spPr bwMode="auto">
+          <a:xfrm rot="5400000" flipH="1" flipV="1">
+            <a:off x="6929736" y="3678042"/>
+            <a:ext cx="1329115" cy="1264674"/>
+          </a:xfrm>
+          <a:prstGeom prst="bentConnector3">
+            <a:avLst>
+              <a:gd name="adj1" fmla="val 402"/>
+            </a:avLst>
+          </a:prstGeom>
+          <a:ln w="12700" cap="flat" cmpd="sng" algn="ctr">
+            <a:solidFill>
+              <a:schemeClr val="dk1"/>
+            </a:solidFill>
+            <a:prstDash val="solid"/>
+            <a:round/>
+            <a:headEnd type="none" w="med" len="med"/>
+            <a:tailEnd type="diamond" w="lg" len="lg"/>
+          </a:ln>
+        </p:spPr>
+        <p:style>
+          <a:lnRef idx="0">
+            <a:scrgbClr r="0" g="0" b="0"/>
+          </a:lnRef>
+          <a:fillRef idx="0">
+            <a:scrgbClr r="0" g="0" b="0"/>
+          </a:fillRef>
+          <a:effectRef idx="0">
+            <a:scrgbClr r="0" g="0" b="0"/>
+          </a:effectRef>
+          <a:fontRef idx="minor">
+            <a:schemeClr val="tx1"/>
+          </a:fontRef>
+        </p:style>
+      </p:cxnSp>
       <p:sp>
         <p:nvSpPr>
-          <p:cNvPr id="20" name="文本框 19">
+          <p:cNvPr id="18" name="文本框 17">
             <a:extLst>
               <a:ext uri="{FF2B5EF4-FFF2-40B4-BE49-F238E27FC236}">
-                <a16:creationId xmlns:a16="http://schemas.microsoft.com/office/drawing/2014/main" id="{06222B71-284E-45B2-8C37-C086654E547F}"/>
+                <a16:creationId xmlns:a16="http://schemas.microsoft.com/office/drawing/2014/main" id="{3756604F-1D13-4F76-8327-613D3F404805}"/>
               </a:ext>
             </a:extLst>
           </p:cNvPr>
@@ -17082,7 +16975,43 @@
         </p:nvSpPr>
         <p:spPr>
           <a:xfrm>
-            <a:off x="5933209" y="5083443"/>
+            <a:off x="6878782" y="4597569"/>
+            <a:ext cx="2209800" cy="369332"/>
+          </a:xfrm>
+          <a:prstGeom prst="rect">
+            <a:avLst/>
+          </a:prstGeom>
+          <a:noFill/>
+        </p:spPr>
+        <p:txBody>
+          <a:bodyPr wrap="square" rtlCol="0">
+            <a:spAutoFit/>
+          </a:bodyPr>
+          <a:lstStyle/>
+          <a:p>
+            <a:r>
+              <a:rPr lang="en-US" altLang="zh-CN" dirty="0"/>
+              <a:t>Milestone 2</a:t>
+            </a:r>
+            <a:endParaRPr lang="zh-CN" altLang="en-US" dirty="0"/>
+          </a:p>
+        </p:txBody>
+      </p:sp>
+      <p:sp>
+        <p:nvSpPr>
+          <p:cNvPr id="19" name="文本框 18">
+            <a:extLst>
+              <a:ext uri="{FF2B5EF4-FFF2-40B4-BE49-F238E27FC236}">
+                <a16:creationId xmlns:a16="http://schemas.microsoft.com/office/drawing/2014/main" id="{EFFC1164-AD5C-40A7-89F2-33E1F51DE4C2}"/>
+              </a:ext>
+            </a:extLst>
+          </p:cNvPr>
+          <p:cNvSpPr txBox="1"/>
+          <p:nvPr/>
+        </p:nvSpPr>
+        <p:spPr>
+          <a:xfrm>
+            <a:off x="6553200" y="5083443"/>
             <a:ext cx="2067792" cy="1311128"/>
           </a:xfrm>
           <a:prstGeom prst="rect">

--- a/orga/Milstone_1.pptx
+++ b/orga/Milstone_1.pptx
@@ -16699,7 +16699,7 @@
         </p:nvCxnSpPr>
         <p:spPr bwMode="auto">
           <a:xfrm rot="5400000" flipH="1" flipV="1">
-            <a:off x="2247900" y="3238502"/>
+            <a:off x="2247901" y="3238502"/>
             <a:ext cx="2209798" cy="1219199"/>
           </a:xfrm>
           <a:prstGeom prst="bentConnector3">
@@ -17089,6 +17089,176 @@
           </a:p>
         </p:txBody>
       </p:sp>
+      <p:cxnSp>
+        <p:nvCxnSpPr>
+          <p:cNvPr id="16" name="连接符: 肘形 15">
+            <a:extLst>
+              <a:ext uri="{FF2B5EF4-FFF2-40B4-BE49-F238E27FC236}">
+                <a16:creationId xmlns:a16="http://schemas.microsoft.com/office/drawing/2014/main" id="{2DE3744F-1B5F-4C0A-B83E-163C142896FA}"/>
+              </a:ext>
+            </a:extLst>
+          </p:cNvPr>
+          <p:cNvCxnSpPr>
+            <a:cxnSpLocks/>
+          </p:cNvCxnSpPr>
+          <p:nvPr/>
+        </p:nvCxnSpPr>
+        <p:spPr bwMode="auto">
+          <a:xfrm rot="5400000">
+            <a:off x="5261719" y="1869474"/>
+            <a:ext cx="1435473" cy="1200898"/>
+          </a:xfrm>
+          <a:prstGeom prst="bentConnector3">
+            <a:avLst>
+              <a:gd name="adj1" fmla="val 373"/>
+            </a:avLst>
+          </a:prstGeom>
+          <a:ln w="12700" cap="flat" cmpd="sng" algn="ctr">
+            <a:solidFill>
+              <a:schemeClr val="dk1"/>
+            </a:solidFill>
+            <a:prstDash val="solid"/>
+            <a:round/>
+            <a:headEnd type="none" w="med" len="med"/>
+            <a:tailEnd type="oval" w="lg" len="lg"/>
+          </a:ln>
+        </p:spPr>
+        <p:style>
+          <a:lnRef idx="0">
+            <a:scrgbClr r="0" g="0" b="0"/>
+          </a:lnRef>
+          <a:fillRef idx="0">
+            <a:scrgbClr r="0" g="0" b="0"/>
+          </a:fillRef>
+          <a:effectRef idx="0">
+            <a:scrgbClr r="0" g="0" b="0"/>
+          </a:effectRef>
+          <a:fontRef idx="minor">
+            <a:schemeClr val="tx1"/>
+          </a:fontRef>
+        </p:style>
+      </p:cxnSp>
+      <p:sp>
+        <p:nvSpPr>
+          <p:cNvPr id="12" name="文本框 11">
+            <a:extLst>
+              <a:ext uri="{FF2B5EF4-FFF2-40B4-BE49-F238E27FC236}">
+                <a16:creationId xmlns:a16="http://schemas.microsoft.com/office/drawing/2014/main" id="{778E9684-155C-42AA-AE0C-1F3C7AE0148C}"/>
+              </a:ext>
+            </a:extLst>
+          </p:cNvPr>
+          <p:cNvSpPr txBox="1"/>
+          <p:nvPr/>
+        </p:nvSpPr>
+        <p:spPr>
+          <a:xfrm>
+            <a:off x="5398670" y="1406511"/>
+            <a:ext cx="2209800" cy="369332"/>
+          </a:xfrm>
+          <a:prstGeom prst="rect">
+            <a:avLst/>
+          </a:prstGeom>
+          <a:noFill/>
+        </p:spPr>
+        <p:txBody>
+          <a:bodyPr wrap="square" rtlCol="0">
+            <a:spAutoFit/>
+          </a:bodyPr>
+          <a:lstStyle/>
+          <a:p>
+            <a:r>
+              <a:rPr lang="en-US" altLang="zh-CN" dirty="0"/>
+              <a:t>Lecture 2</a:t>
+            </a:r>
+            <a:endParaRPr lang="zh-CN" altLang="en-US" dirty="0"/>
+          </a:p>
+        </p:txBody>
+      </p:sp>
+      <p:sp>
+        <p:nvSpPr>
+          <p:cNvPr id="13" name="文本框 12">
+            <a:extLst>
+              <a:ext uri="{FF2B5EF4-FFF2-40B4-BE49-F238E27FC236}">
+                <a16:creationId xmlns:a16="http://schemas.microsoft.com/office/drawing/2014/main" id="{E38C35C8-B53B-4EAA-89A3-1A3F78A75E4D}"/>
+              </a:ext>
+            </a:extLst>
+          </p:cNvPr>
+          <p:cNvSpPr txBox="1"/>
+          <p:nvPr/>
+        </p:nvSpPr>
+        <p:spPr>
+          <a:xfrm>
+            <a:off x="8534400" y="1406511"/>
+            <a:ext cx="2209800" cy="369332"/>
+          </a:xfrm>
+          <a:prstGeom prst="rect">
+            <a:avLst/>
+          </a:prstGeom>
+          <a:noFill/>
+        </p:spPr>
+        <p:txBody>
+          <a:bodyPr wrap="square" rtlCol="0">
+            <a:spAutoFit/>
+          </a:bodyPr>
+          <a:lstStyle/>
+          <a:p>
+            <a:r>
+              <a:rPr lang="en-US" altLang="zh-CN" dirty="0"/>
+              <a:t>Lecture 3</a:t>
+            </a:r>
+            <a:endParaRPr lang="zh-CN" altLang="en-US" dirty="0"/>
+          </a:p>
+        </p:txBody>
+      </p:sp>
+      <p:cxnSp>
+        <p:nvCxnSpPr>
+          <p:cNvPr id="26" name="连接符: 肘形 25">
+            <a:extLst>
+              <a:ext uri="{FF2B5EF4-FFF2-40B4-BE49-F238E27FC236}">
+                <a16:creationId xmlns:a16="http://schemas.microsoft.com/office/drawing/2014/main" id="{C56AFD70-1FFE-43B9-A6E3-7CD22E617C79}"/>
+              </a:ext>
+            </a:extLst>
+          </p:cNvPr>
+          <p:cNvCxnSpPr>
+            <a:cxnSpLocks/>
+          </p:cNvCxnSpPr>
+          <p:nvPr/>
+        </p:nvCxnSpPr>
+        <p:spPr bwMode="auto">
+          <a:xfrm rot="5400000">
+            <a:off x="8015584" y="2204071"/>
+            <a:ext cx="2092635" cy="1236178"/>
+          </a:xfrm>
+          <a:prstGeom prst="bentConnector3">
+            <a:avLst>
+              <a:gd name="adj1" fmla="val 207"/>
+            </a:avLst>
+          </a:prstGeom>
+          <a:ln w="12700" cap="flat" cmpd="sng" algn="ctr">
+            <a:solidFill>
+              <a:schemeClr val="dk1"/>
+            </a:solidFill>
+            <a:prstDash val="solid"/>
+            <a:round/>
+            <a:headEnd type="none" w="med" len="med"/>
+            <a:tailEnd type="oval" w="lg" len="lg"/>
+          </a:ln>
+        </p:spPr>
+        <p:style>
+          <a:lnRef idx="0">
+            <a:scrgbClr r="0" g="0" b="0"/>
+          </a:lnRef>
+          <a:fillRef idx="0">
+            <a:scrgbClr r="0" g="0" b="0"/>
+          </a:fillRef>
+          <a:effectRef idx="0">
+            <a:scrgbClr r="0" g="0" b="0"/>
+          </a:effectRef>
+          <a:fontRef idx="minor">
+            <a:schemeClr val="tx1"/>
+          </a:fontRef>
+        </p:style>
+      </p:cxnSp>
     </p:spTree>
     <p:extLst>
       <p:ext uri="{BB962C8B-B14F-4D97-AF65-F5344CB8AC3E}">

--- a/orga/Milstone_1.pptx
+++ b/orga/Milstone_1.pptx
@@ -3111,7 +3111,7 @@
             <a:fld id="{72FBEB5C-AB3C-4371-8EA9-1CE6658031B0}" type="datetimeFigureOut">
               <a:rPr lang="de-DE" smtClean="0"/>
               <a:pPr/>
-              <a:t>17.11.2020</a:t>
+              <a:t>18.11.2020</a:t>
             </a:fld>
             <a:endParaRPr lang="de-DE"/>
           </a:p>
@@ -4057,7 +4057,7 @@
           <a:p>
             <a:fld id="{2B52DEB2-227A-461E-9B70-C0009E096876}" type="datetime1">
               <a:rPr lang="de-DE" smtClean="0"/>
-              <a:t>17.11.2020</a:t>
+              <a:t>18.11.2020</a:t>
             </a:fld>
             <a:endParaRPr lang="de-DE" dirty="0"/>
           </a:p>
@@ -4428,7 +4428,7 @@
           <a:p>
             <a:fld id="{23F6D65F-B93F-4008-B774-364184B66973}" type="datetime1">
               <a:rPr lang="de-DE" smtClean="0"/>
-              <a:t>17.11.2020</a:t>
+              <a:t>18.11.2020</a:t>
             </a:fld>
             <a:endParaRPr lang="de-DE" dirty="0"/>
           </a:p>
@@ -4891,7 +4891,7 @@
           <a:p>
             <a:fld id="{8D476963-B6B7-4A90-9BDD-768DE33FAF15}" type="datetime1">
               <a:rPr lang="de-DE" smtClean="0"/>
-              <a:t>17.11.2020</a:t>
+              <a:t>18.11.2020</a:t>
             </a:fld>
             <a:endParaRPr lang="de-DE" dirty="0"/>
           </a:p>
@@ -5074,7 +5074,7 @@
           <a:p>
             <a:fld id="{14039983-D1E5-4EBE-B695-657E203F084B}" type="datetime1">
               <a:rPr lang="de-DE" smtClean="0"/>
-              <a:t>17.11.2020</a:t>
+              <a:t>18.11.2020</a:t>
             </a:fld>
             <a:endParaRPr lang="de-DE" dirty="0"/>
           </a:p>
@@ -5292,7 +5292,7 @@
           <a:p>
             <a:fld id="{F01DDA0A-1527-4265-A0D7-D8CF01F0B031}" type="datetime1">
               <a:rPr lang="de-DE" smtClean="0"/>
-              <a:t>17.11.2020</a:t>
+              <a:t>18.11.2020</a:t>
             </a:fld>
             <a:endParaRPr lang="de-DE" dirty="0"/>
           </a:p>
@@ -5540,7 +5540,7 @@
           <a:p>
             <a:fld id="{8A2B48D0-84E9-47CA-BAC1-F58C3F2B050B}" type="datetime1">
               <a:rPr lang="de-DE" smtClean="0"/>
-              <a:t>17.11.2020</a:t>
+              <a:t>18.11.2020</a:t>
             </a:fld>
             <a:endParaRPr lang="de-DE" dirty="0"/>
           </a:p>
@@ -5852,7 +5852,7 @@
           <a:p>
             <a:fld id="{2FFA32A7-E098-402A-BF39-D0EA59A5E111}" type="datetime1">
               <a:rPr lang="de-DE" smtClean="0"/>
-              <a:t>17.11.2020</a:t>
+              <a:t>18.11.2020</a:t>
             </a:fld>
             <a:endParaRPr lang="de-DE" dirty="0"/>
           </a:p>
@@ -6156,7 +6156,7 @@
           <a:p>
             <a:fld id="{B1CAD193-DA5E-4576-BA67-3451E84F1358}" type="datetime1">
               <a:rPr lang="de-DE" smtClean="0"/>
-              <a:t>17.11.2020</a:t>
+              <a:t>18.11.2020</a:t>
             </a:fld>
             <a:endParaRPr lang="de-DE" dirty="0"/>
           </a:p>
@@ -6412,7 +6412,7 @@
           <a:p>
             <a:fld id="{F0DD4F01-90C6-4FAD-B0C2-BB5BD3AAC4AE}" type="datetime1">
               <a:rPr lang="de-DE" smtClean="0"/>
-              <a:t>17.11.2020</a:t>
+              <a:t>18.11.2020</a:t>
             </a:fld>
             <a:endParaRPr lang="de-DE" dirty="0"/>
           </a:p>
@@ -7251,7 +7251,7 @@
           <a:p>
             <a:fld id="{F13DDC84-DC5C-4860-9759-2103E63B210C}" type="datetime1">
               <a:rPr lang="de-DE" smtClean="0"/>
-              <a:t>17.11.2020</a:t>
+              <a:t>18.11.2020</a:t>
             </a:fld>
             <a:endParaRPr lang="de-DE" dirty="0"/>
           </a:p>
@@ -15721,6 +15721,193 @@
           </a:p>
         </p:txBody>
       </p:sp>
+      <p:pic>
+        <p:nvPicPr>
+          <p:cNvPr id="7" name="图片 6">
+            <a:extLst>
+              <a:ext uri="{FF2B5EF4-FFF2-40B4-BE49-F238E27FC236}">
+                <a16:creationId xmlns:a16="http://schemas.microsoft.com/office/drawing/2014/main" id="{8C0D5EEE-A70C-48B0-8227-930F9484A659}"/>
+              </a:ext>
+            </a:extLst>
+          </p:cNvPr>
+          <p:cNvPicPr>
+            <a:picLocks noChangeAspect="1"/>
+          </p:cNvPicPr>
+          <p:nvPr/>
+        </p:nvPicPr>
+        <p:blipFill>
+          <a:blip r:embed="rId6">
+            <a:extLst>
+              <a:ext uri="{28A0092B-C50C-407E-A947-70E740481C1C}">
+                <a14:useLocalDpi xmlns:a14="http://schemas.microsoft.com/office/drawing/2010/main" val="0"/>
+              </a:ext>
+            </a:extLst>
+          </a:blip>
+          <a:stretch>
+            <a:fillRect/>
+          </a:stretch>
+        </p:blipFill>
+        <p:spPr>
+          <a:xfrm>
+            <a:off x="4368076" y="5504528"/>
+            <a:ext cx="1175918" cy="1050976"/>
+          </a:xfrm>
+          <a:prstGeom prst="rect">
+            <a:avLst/>
+          </a:prstGeom>
+        </p:spPr>
+      </p:pic>
+      <p:pic>
+        <p:nvPicPr>
+          <p:cNvPr id="9" name="图片 8">
+            <a:extLst>
+              <a:ext uri="{FF2B5EF4-FFF2-40B4-BE49-F238E27FC236}">
+                <a16:creationId xmlns:a16="http://schemas.microsoft.com/office/drawing/2014/main" id="{57A6C97C-665E-4F1F-84F7-1D36E0C91AA9}"/>
+              </a:ext>
+            </a:extLst>
+          </p:cNvPr>
+          <p:cNvPicPr>
+            <a:picLocks noChangeAspect="1"/>
+          </p:cNvPicPr>
+          <p:nvPr/>
+        </p:nvPicPr>
+        <p:blipFill>
+          <a:blip r:embed="rId7">
+            <a:extLst>
+              <a:ext uri="{28A0092B-C50C-407E-A947-70E740481C1C}">
+                <a14:useLocalDpi xmlns:a14="http://schemas.microsoft.com/office/drawing/2010/main" val="0"/>
+              </a:ext>
+            </a:extLst>
+          </a:blip>
+          <a:stretch>
+            <a:fillRect/>
+          </a:stretch>
+        </p:blipFill>
+        <p:spPr>
+          <a:xfrm>
+            <a:off x="5747095" y="5501195"/>
+            <a:ext cx="1175918" cy="1060793"/>
+          </a:xfrm>
+          <a:prstGeom prst="rect">
+            <a:avLst/>
+          </a:prstGeom>
+        </p:spPr>
+      </p:pic>
+      <p:pic>
+        <p:nvPicPr>
+          <p:cNvPr id="12" name="图片 11">
+            <a:extLst>
+              <a:ext uri="{FF2B5EF4-FFF2-40B4-BE49-F238E27FC236}">
+                <a16:creationId xmlns:a16="http://schemas.microsoft.com/office/drawing/2014/main" id="{D911B811-06FA-4FB5-86F1-3678210C0096}"/>
+              </a:ext>
+            </a:extLst>
+          </p:cNvPr>
+          <p:cNvPicPr>
+            <a:picLocks noChangeAspect="1"/>
+          </p:cNvPicPr>
+          <p:nvPr/>
+        </p:nvPicPr>
+        <p:blipFill>
+          <a:blip r:embed="rId8">
+            <a:extLst>
+              <a:ext uri="{28A0092B-C50C-407E-A947-70E740481C1C}">
+                <a14:useLocalDpi xmlns:a14="http://schemas.microsoft.com/office/drawing/2010/main" val="0"/>
+              </a:ext>
+            </a:extLst>
+          </a:blip>
+          <a:stretch>
+            <a:fillRect/>
+          </a:stretch>
+        </p:blipFill>
+        <p:spPr>
+          <a:xfrm>
+            <a:off x="7126114" y="5470161"/>
+            <a:ext cx="1234556" cy="1105057"/>
+          </a:xfrm>
+          <a:prstGeom prst="rect">
+            <a:avLst/>
+          </a:prstGeom>
+        </p:spPr>
+      </p:pic>
+      <p:sp>
+        <p:nvSpPr>
+          <p:cNvPr id="13" name="文本框 12">
+            <a:extLst>
+              <a:ext uri="{FF2B5EF4-FFF2-40B4-BE49-F238E27FC236}">
+                <a16:creationId xmlns:a16="http://schemas.microsoft.com/office/drawing/2014/main" id="{6D061BFF-5DC5-4FA9-ABF3-372BF046E327}"/>
+              </a:ext>
+            </a:extLst>
+          </p:cNvPr>
+          <p:cNvSpPr txBox="1"/>
+          <p:nvPr/>
+        </p:nvSpPr>
+        <p:spPr>
+          <a:xfrm>
+            <a:off x="8470054" y="5755792"/>
+            <a:ext cx="1630543" cy="369332"/>
+          </a:xfrm>
+          <a:prstGeom prst="rect">
+            <a:avLst/>
+          </a:prstGeom>
+          <a:noFill/>
+        </p:spPr>
+        <p:txBody>
+          <a:bodyPr wrap="square" rtlCol="0">
+            <a:spAutoFit/>
+          </a:bodyPr>
+          <a:lstStyle/>
+          <a:p>
+            <a:r>
+              <a:rPr lang="en-US" altLang="zh-CN" dirty="0"/>
+              <a:t>...</a:t>
+            </a:r>
+            <a:endParaRPr lang="zh-CN" altLang="en-US" dirty="0"/>
+          </a:p>
+        </p:txBody>
+      </p:sp>
+      <p:sp>
+        <p:nvSpPr>
+          <p:cNvPr id="15" name="文本框 14">
+            <a:extLst>
+              <a:ext uri="{FF2B5EF4-FFF2-40B4-BE49-F238E27FC236}">
+                <a16:creationId xmlns:a16="http://schemas.microsoft.com/office/drawing/2014/main" id="{99BEA0CA-ACA0-4035-B4C2-C34578D0C699}"/>
+              </a:ext>
+            </a:extLst>
+          </p:cNvPr>
+          <p:cNvSpPr txBox="1"/>
+          <p:nvPr/>
+        </p:nvSpPr>
+        <p:spPr>
+          <a:xfrm>
+            <a:off x="5912830" y="6630590"/>
+            <a:ext cx="1830562" cy="138499"/>
+          </a:xfrm>
+          <a:prstGeom prst="rect">
+            <a:avLst/>
+          </a:prstGeom>
+          <a:noFill/>
+        </p:spPr>
+        <p:txBody>
+          <a:bodyPr wrap="square" rtlCol="0">
+            <a:spAutoFit/>
+          </a:bodyPr>
+          <a:lstStyle/>
+          <a:p>
+            <a:r>
+              <a:rPr lang="zh-CN" altLang="en-US" sz="300" dirty="0"/>
+              <a:t>基 于数 学形态学的车牌定位算法 </a:t>
+            </a:r>
+            <a:r>
+              <a:rPr lang="en-US" altLang="zh-CN" sz="300" dirty="0"/>
+              <a:t> </a:t>
+            </a:r>
+            <a:r>
+              <a:rPr lang="zh-CN" altLang="en-US" sz="300" dirty="0"/>
+              <a:t>李刚</a:t>
+            </a:r>
+          </a:p>
+        </p:txBody>
+      </p:sp>
     </p:spTree>
     <p:extLst>
       <p:ext uri="{BB962C8B-B14F-4D97-AF65-F5344CB8AC3E}">
@@ -17157,6 +17344,81 @@
               <a:buChar char="•"/>
             </a:pPr>
             <a:endParaRPr lang="en-US" altLang="zh-CN" sz="1200" dirty="0"/>
+          </a:p>
+        </p:txBody>
+      </p:sp>
+      <p:pic>
+        <p:nvPicPr>
+          <p:cNvPr id="9" name="图形 8" descr="日历">
+            <a:extLst>
+              <a:ext uri="{FF2B5EF4-FFF2-40B4-BE49-F238E27FC236}">
+                <a16:creationId xmlns:a16="http://schemas.microsoft.com/office/drawing/2014/main" id="{3A55F144-D696-4B19-9185-D951FBC0DEDD}"/>
+              </a:ext>
+            </a:extLst>
+          </p:cNvPr>
+          <p:cNvPicPr>
+            <a:picLocks noChangeAspect="1"/>
+          </p:cNvPicPr>
+          <p:nvPr/>
+        </p:nvPicPr>
+        <p:blipFill>
+          <a:blip r:embed="rId4">
+            <a:extLst>
+              <a:ext uri="{28A0092B-C50C-407E-A947-70E740481C1C}">
+                <a14:useLocalDpi xmlns:a14="http://schemas.microsoft.com/office/drawing/2010/main" val="0"/>
+              </a:ext>
+              <a:ext uri="{96DAC541-7B7A-43D3-8B79-37D633B846F1}">
+                <asvg:svgBlip xmlns:asvg="http://schemas.microsoft.com/office/drawing/2016/SVG/main" r:embed="rId5"/>
+              </a:ext>
+            </a:extLst>
+          </a:blip>
+          <a:stretch>
+            <a:fillRect/>
+          </a:stretch>
+        </p:blipFill>
+        <p:spPr>
+          <a:xfrm>
+            <a:off x="862388" y="911782"/>
+            <a:ext cx="648000" cy="648000"/>
+          </a:xfrm>
+          <a:prstGeom prst="rect">
+            <a:avLst/>
+          </a:prstGeom>
+        </p:spPr>
+      </p:pic>
+      <p:sp>
+        <p:nvSpPr>
+          <p:cNvPr id="10" name="文本框 9">
+            <a:extLst>
+              <a:ext uri="{FF2B5EF4-FFF2-40B4-BE49-F238E27FC236}">
+                <a16:creationId xmlns:a16="http://schemas.microsoft.com/office/drawing/2014/main" id="{3F324E6E-3A5A-4B20-8F79-BF47B7C9F8A8}"/>
+              </a:ext>
+            </a:extLst>
+          </p:cNvPr>
+          <p:cNvSpPr txBox="1"/>
+          <p:nvPr/>
+        </p:nvSpPr>
+        <p:spPr>
+          <a:xfrm>
+            <a:off x="1510388" y="1028305"/>
+            <a:ext cx="2209800" cy="523220"/>
+          </a:xfrm>
+          <a:prstGeom prst="rect">
+            <a:avLst/>
+          </a:prstGeom>
+          <a:noFill/>
+        </p:spPr>
+        <p:txBody>
+          <a:bodyPr wrap="square" rtlCol="0">
+            <a:spAutoFit/>
+          </a:bodyPr>
+          <a:lstStyle/>
+          <a:p>
+            <a:r>
+              <a:rPr lang="en-US" altLang="zh-CN" sz="2800" dirty="0"/>
+              <a:t>Plan</a:t>
+            </a:r>
+            <a:endParaRPr lang="zh-CN" altLang="en-US" sz="2800" dirty="0"/>
           </a:p>
         </p:txBody>
       </p:sp>

--- a/orga/Milstone_1.pptx
+++ b/orga/Milstone_1.pptx
@@ -15844,7 +15844,7 @@
         <p:spPr>
           <a:xfrm>
             <a:off x="8470054" y="5755792"/>
-            <a:ext cx="1630543" cy="369332"/>
+            <a:ext cx="1630543" cy="461665"/>
           </a:xfrm>
           <a:prstGeom prst="rect">
             <a:avLst/>
@@ -15858,53 +15858,10 @@
           <a:lstStyle/>
           <a:p>
             <a:r>
-              <a:rPr lang="en-US" altLang="zh-CN" dirty="0"/>
+              <a:rPr lang="en-US" altLang="zh-CN" sz="2400" b="1" dirty="0"/>
               <a:t>...</a:t>
             </a:r>
-            <a:endParaRPr lang="zh-CN" altLang="en-US" dirty="0"/>
-          </a:p>
-        </p:txBody>
-      </p:sp>
-      <p:sp>
-        <p:nvSpPr>
-          <p:cNvPr id="15" name="文本框 14">
-            <a:extLst>
-              <a:ext uri="{FF2B5EF4-FFF2-40B4-BE49-F238E27FC236}">
-                <a16:creationId xmlns:a16="http://schemas.microsoft.com/office/drawing/2014/main" id="{99BEA0CA-ACA0-4035-B4C2-C34578D0C699}"/>
-              </a:ext>
-            </a:extLst>
-          </p:cNvPr>
-          <p:cNvSpPr txBox="1"/>
-          <p:nvPr/>
-        </p:nvSpPr>
-        <p:spPr>
-          <a:xfrm>
-            <a:off x="5912830" y="6630590"/>
-            <a:ext cx="1830562" cy="138499"/>
-          </a:xfrm>
-          <a:prstGeom prst="rect">
-            <a:avLst/>
-          </a:prstGeom>
-          <a:noFill/>
-        </p:spPr>
-        <p:txBody>
-          <a:bodyPr wrap="square" rtlCol="0">
-            <a:spAutoFit/>
-          </a:bodyPr>
-          <a:lstStyle/>
-          <a:p>
-            <a:r>
-              <a:rPr lang="zh-CN" altLang="en-US" sz="300" dirty="0"/>
-              <a:t>基 于数 学形态学的车牌定位算法 </a:t>
-            </a:r>
-            <a:r>
-              <a:rPr lang="en-US" altLang="zh-CN" sz="300" dirty="0"/>
-              <a:t> </a:t>
-            </a:r>
-            <a:r>
-              <a:rPr lang="zh-CN" altLang="en-US" sz="300" dirty="0"/>
-              <a:t>李刚</a:t>
-            </a:r>
+            <a:endParaRPr lang="zh-CN" altLang="en-US" sz="2400" b="1" dirty="0"/>
           </a:p>
         </p:txBody>
       </p:sp>

--- a/orga/Milstone_1.pptx
+++ b/orga/Milstone_1.pptx
@@ -15865,6 +15865,78 @@
           </a:p>
         </p:txBody>
       </p:sp>
+      <p:sp>
+        <p:nvSpPr>
+          <p:cNvPr id="2" name="文本框 1">
+            <a:extLst>
+              <a:ext uri="{FF2B5EF4-FFF2-40B4-BE49-F238E27FC236}">
+                <a16:creationId xmlns:a16="http://schemas.microsoft.com/office/drawing/2014/main" id="{3C08EBD1-6C1C-4A95-827F-AA275A9E1447}"/>
+              </a:ext>
+            </a:extLst>
+          </p:cNvPr>
+          <p:cNvSpPr txBox="1"/>
+          <p:nvPr/>
+        </p:nvSpPr>
+        <p:spPr>
+          <a:xfrm>
+            <a:off x="9019425" y="6309759"/>
+            <a:ext cx="2748382" cy="338554"/>
+          </a:xfrm>
+          <a:prstGeom prst="rect">
+            <a:avLst/>
+          </a:prstGeom>
+          <a:noFill/>
+        </p:spPr>
+        <p:txBody>
+          <a:bodyPr wrap="square" rtlCol="0">
+            <a:spAutoFit/>
+          </a:bodyPr>
+          <a:lstStyle/>
+          <a:p>
+            <a:r>
+              <a:rPr lang="en-US" altLang="zh-CN" sz="800" dirty="0"/>
+              <a:t>[1] Car license plate location algorithm based on mathematical morphology, Li Gang</a:t>
+            </a:r>
+            <a:endParaRPr lang="zh-CN" altLang="en-US" sz="800" dirty="0"/>
+          </a:p>
+        </p:txBody>
+      </p:sp>
+      <p:sp>
+        <p:nvSpPr>
+          <p:cNvPr id="25" name="文本框 24">
+            <a:extLst>
+              <a:ext uri="{FF2B5EF4-FFF2-40B4-BE49-F238E27FC236}">
+                <a16:creationId xmlns:a16="http://schemas.microsoft.com/office/drawing/2014/main" id="{D8156787-E6B8-48E9-9751-147AEB451BB0}"/>
+              </a:ext>
+            </a:extLst>
+          </p:cNvPr>
+          <p:cNvSpPr txBox="1"/>
+          <p:nvPr/>
+        </p:nvSpPr>
+        <p:spPr>
+          <a:xfrm>
+            <a:off x="6106018" y="6588278"/>
+            <a:ext cx="458071" cy="215444"/>
+          </a:xfrm>
+          <a:prstGeom prst="rect">
+            <a:avLst/>
+          </a:prstGeom>
+          <a:noFill/>
+        </p:spPr>
+        <p:txBody>
+          <a:bodyPr wrap="square">
+            <a:spAutoFit/>
+          </a:bodyPr>
+          <a:lstStyle/>
+          <a:p>
+            <a:r>
+              <a:rPr lang="en-US" altLang="zh-CN" sz="800" dirty="0"/>
+              <a:t>[1] </a:t>
+            </a:r>
+            <a:endParaRPr lang="zh-CN" altLang="en-US" sz="800" dirty="0"/>
+          </a:p>
+        </p:txBody>
+      </p:sp>
     </p:spTree>
     <p:extLst>
       <p:ext uri="{BB962C8B-B14F-4D97-AF65-F5344CB8AC3E}">

--- a/orga/Milstone_1.pptx
+++ b/orga/Milstone_1.pptx
@@ -13,7 +13,7 @@
     <p:sldId id="337" r:id="rId4"/>
     <p:sldId id="338" r:id="rId5"/>
     <p:sldId id="343" r:id="rId6"/>
-    <p:sldId id="342" r:id="rId7"/>
+    <p:sldId id="344" r:id="rId7"/>
     <p:sldId id="329" r:id="rId8"/>
   </p:sldIdLst>
   <p:sldSz cx="12192000" cy="6858000"/>
@@ -123,7 +123,7 @@
             <p14:sldId id="337"/>
             <p14:sldId id="338"/>
             <p14:sldId id="343"/>
-            <p14:sldId id="342"/>
+            <p14:sldId id="344"/>
             <p14:sldId id="329"/>
           </p14:sldIdLst>
         </p14:section>
@@ -16915,7 +16915,7 @@
         </p:nvCxnSpPr>
         <p:spPr bwMode="auto">
           <a:xfrm rot="5400000" flipH="1" flipV="1">
-            <a:off x="2247900" y="3238502"/>
+            <a:off x="2247901" y="3238502"/>
             <a:ext cx="2209798" cy="1219199"/>
           </a:xfrm>
           <a:prstGeom prst="bentConnector3">
@@ -16986,91 +16986,6 @@
       </p:sp>
       <p:cxnSp>
         <p:nvCxnSpPr>
-          <p:cNvPr id="40" name="连接符: 肘形 39">
-            <a:extLst>
-              <a:ext uri="{FF2B5EF4-FFF2-40B4-BE49-F238E27FC236}">
-                <a16:creationId xmlns:a16="http://schemas.microsoft.com/office/drawing/2014/main" id="{AA5EBEE1-6AEA-4602-9C76-DFADC5F2224A}"/>
-              </a:ext>
-            </a:extLst>
-          </p:cNvPr>
-          <p:cNvCxnSpPr>
-            <a:cxnSpLocks/>
-          </p:cNvCxnSpPr>
-          <p:nvPr/>
-        </p:nvCxnSpPr>
-        <p:spPr bwMode="auto">
-          <a:xfrm rot="5400000" flipH="1" flipV="1">
-            <a:off x="6186054" y="3567547"/>
-            <a:ext cx="1551800" cy="1274709"/>
-          </a:xfrm>
-          <a:prstGeom prst="bentConnector3">
-            <a:avLst>
-              <a:gd name="adj1" fmla="val 1119"/>
-            </a:avLst>
-          </a:prstGeom>
-          <a:ln w="12700" cap="flat" cmpd="sng" algn="ctr">
-            <a:solidFill>
-              <a:schemeClr val="dk1"/>
-            </a:solidFill>
-            <a:prstDash val="solid"/>
-            <a:round/>
-            <a:headEnd type="none" w="med" len="med"/>
-            <a:tailEnd type="diamond" w="lg" len="lg"/>
-          </a:ln>
-        </p:spPr>
-        <p:style>
-          <a:lnRef idx="0">
-            <a:scrgbClr r="0" g="0" b="0"/>
-          </a:lnRef>
-          <a:fillRef idx="0">
-            <a:scrgbClr r="0" g="0" b="0"/>
-          </a:fillRef>
-          <a:effectRef idx="0">
-            <a:scrgbClr r="0" g="0" b="0"/>
-          </a:effectRef>
-          <a:fontRef idx="minor">
-            <a:schemeClr val="tx1"/>
-          </a:fontRef>
-        </p:style>
-      </p:cxnSp>
-      <p:sp>
-        <p:nvSpPr>
-          <p:cNvPr id="43" name="文本框 42">
-            <a:extLst>
-              <a:ext uri="{FF2B5EF4-FFF2-40B4-BE49-F238E27FC236}">
-                <a16:creationId xmlns:a16="http://schemas.microsoft.com/office/drawing/2014/main" id="{24E6D002-F8D1-4890-A4F1-597869FC911F}"/>
-              </a:ext>
-            </a:extLst>
-          </p:cNvPr>
-          <p:cNvSpPr txBox="1"/>
-          <p:nvPr/>
-        </p:nvSpPr>
-        <p:spPr>
-          <a:xfrm>
-            <a:off x="6258791" y="4597569"/>
-            <a:ext cx="2209800" cy="369332"/>
-          </a:xfrm>
-          <a:prstGeom prst="rect">
-            <a:avLst/>
-          </a:prstGeom>
-          <a:noFill/>
-        </p:spPr>
-        <p:txBody>
-          <a:bodyPr wrap="square" rtlCol="0">
-            <a:spAutoFit/>
-          </a:bodyPr>
-          <a:lstStyle/>
-          <a:p>
-            <a:r>
-              <a:rPr lang="en-US" altLang="zh-CN" dirty="0"/>
-              <a:t>Milestone 2</a:t>
-            </a:r>
-            <a:endParaRPr lang="zh-CN" altLang="en-US" dirty="0"/>
-          </a:p>
-        </p:txBody>
-      </p:sp>
-      <p:cxnSp>
-        <p:nvCxnSpPr>
           <p:cNvPr id="46" name="连接符: 肘形 45">
             <a:extLst>
               <a:ext uri="{FF2B5EF4-FFF2-40B4-BE49-F238E27FC236}">
@@ -17085,12 +17000,12 @@
         </p:nvCxnSpPr>
         <p:spPr bwMode="auto">
           <a:xfrm flipV="1">
-            <a:off x="8458200" y="3867570"/>
-            <a:ext cx="1337182" cy="1085431"/>
+            <a:off x="8991599" y="4099223"/>
+            <a:ext cx="1905001" cy="918309"/>
           </a:xfrm>
           <a:prstGeom prst="bentConnector3">
             <a:avLst>
-              <a:gd name="adj1" fmla="val 99733"/>
+              <a:gd name="adj1" fmla="val 100233"/>
             </a:avLst>
           </a:prstGeom>
           <a:ln w="12700" cap="flat" cmpd="sng" algn="ctr">
@@ -17132,7 +17047,7 @@
         </p:nvSpPr>
         <p:spPr>
           <a:xfrm>
-            <a:off x="8406464" y="4575648"/>
+            <a:off x="8991600" y="4648200"/>
             <a:ext cx="2209800" cy="369332"/>
           </a:xfrm>
           <a:prstGeom prst="rect">
@@ -17148,80 +17063,9 @@
           <a:p>
             <a:r>
               <a:rPr lang="en-US" altLang="zh-CN" dirty="0"/>
-              <a:t>Milestone 3</a:t>
+              <a:t>Final Submission</a:t>
             </a:r>
             <a:endParaRPr lang="zh-CN" altLang="en-US" dirty="0"/>
-          </a:p>
-        </p:txBody>
-      </p:sp>
-      <p:sp>
-        <p:nvSpPr>
-          <p:cNvPr id="65" name="文本框 64">
-            <a:extLst>
-              <a:ext uri="{FF2B5EF4-FFF2-40B4-BE49-F238E27FC236}">
-                <a16:creationId xmlns:a16="http://schemas.microsoft.com/office/drawing/2014/main" id="{3FFB2491-E9C0-49C8-8E35-035059EF112E}"/>
-              </a:ext>
-            </a:extLst>
-          </p:cNvPr>
-          <p:cNvSpPr txBox="1"/>
-          <p:nvPr/>
-        </p:nvSpPr>
-        <p:spPr>
-          <a:xfrm>
-            <a:off x="8132616" y="5083443"/>
-            <a:ext cx="2209800" cy="701731"/>
-          </a:xfrm>
-          <a:prstGeom prst="rect">
-            <a:avLst/>
-          </a:prstGeom>
-          <a:noFill/>
-        </p:spPr>
-        <p:txBody>
-          <a:bodyPr wrap="square" rtlCol="0">
-            <a:spAutoFit/>
-          </a:bodyPr>
-          <a:lstStyle/>
-          <a:p>
-            <a:pPr marL="285750" lvl="1" indent="-285750" algn="l" defTabSz="1244600">
-              <a:spcBef>
-                <a:spcPct val="0"/>
-              </a:spcBef>
-              <a:spcAft>
-                <a:spcPct val="15000"/>
-              </a:spcAft>
-              <a:buChar char="•"/>
-            </a:pPr>
-            <a:r>
-              <a:rPr lang="en-US" altLang="zh-CN" sz="1200" dirty="0"/>
-              <a:t>Benchmark report</a:t>
-            </a:r>
-          </a:p>
-          <a:p>
-            <a:pPr marL="285750" lvl="1" indent="-285750" algn="l" defTabSz="1244600">
-              <a:spcBef>
-                <a:spcPct val="0"/>
-              </a:spcBef>
-              <a:spcAft>
-                <a:spcPct val="15000"/>
-              </a:spcAft>
-              <a:buChar char="•"/>
-            </a:pPr>
-            <a:r>
-              <a:rPr lang="en-US" altLang="zh-CN" sz="1200" kern="1200" dirty="0"/>
-              <a:t>Code cleanup and freeze</a:t>
-            </a:r>
-          </a:p>
-          <a:p>
-            <a:pPr marL="285750" lvl="1" indent="-285750" algn="l" defTabSz="1244600">
-              <a:spcBef>
-                <a:spcPct val="0"/>
-              </a:spcBef>
-              <a:spcAft>
-                <a:spcPct val="15000"/>
-              </a:spcAft>
-              <a:buChar char="•"/>
-            </a:pPr>
-            <a:endParaRPr lang="en-US" altLang="zh-CN" sz="1200" dirty="0"/>
           </a:p>
         </p:txBody>
       </p:sp>
@@ -17284,12 +17128,61 @@
           </a:p>
         </p:txBody>
       </p:sp>
+      <p:cxnSp>
+        <p:nvCxnSpPr>
+          <p:cNvPr id="17" name="连接符: 肘形 16">
+            <a:extLst>
+              <a:ext uri="{FF2B5EF4-FFF2-40B4-BE49-F238E27FC236}">
+                <a16:creationId xmlns:a16="http://schemas.microsoft.com/office/drawing/2014/main" id="{C918288E-B68C-47F5-8CC1-1B6D10B8A2A6}"/>
+              </a:ext>
+            </a:extLst>
+          </p:cNvPr>
+          <p:cNvCxnSpPr>
+            <a:cxnSpLocks/>
+          </p:cNvCxnSpPr>
+          <p:nvPr/>
+        </p:nvCxnSpPr>
+        <p:spPr bwMode="auto">
+          <a:xfrm rot="5400000" flipH="1" flipV="1">
+            <a:off x="6929736" y="3678042"/>
+            <a:ext cx="1329115" cy="1264674"/>
+          </a:xfrm>
+          <a:prstGeom prst="bentConnector3">
+            <a:avLst>
+              <a:gd name="adj1" fmla="val 402"/>
+            </a:avLst>
+          </a:prstGeom>
+          <a:ln w="12700" cap="flat" cmpd="sng" algn="ctr">
+            <a:solidFill>
+              <a:schemeClr val="dk1"/>
+            </a:solidFill>
+            <a:prstDash val="solid"/>
+            <a:round/>
+            <a:headEnd type="none" w="med" len="med"/>
+            <a:tailEnd type="diamond" w="lg" len="lg"/>
+          </a:ln>
+        </p:spPr>
+        <p:style>
+          <a:lnRef idx="0">
+            <a:scrgbClr r="0" g="0" b="0"/>
+          </a:lnRef>
+          <a:fillRef idx="0">
+            <a:scrgbClr r="0" g="0" b="0"/>
+          </a:fillRef>
+          <a:effectRef idx="0">
+            <a:scrgbClr r="0" g="0" b="0"/>
+          </a:effectRef>
+          <a:fontRef idx="minor">
+            <a:schemeClr val="tx1"/>
+          </a:fontRef>
+        </p:style>
+      </p:cxnSp>
       <p:sp>
         <p:nvSpPr>
-          <p:cNvPr id="20" name="文本框 19">
+          <p:cNvPr id="18" name="文本框 17">
             <a:extLst>
               <a:ext uri="{FF2B5EF4-FFF2-40B4-BE49-F238E27FC236}">
-                <a16:creationId xmlns:a16="http://schemas.microsoft.com/office/drawing/2014/main" id="{06222B71-284E-45B2-8C37-C086654E547F}"/>
+                <a16:creationId xmlns:a16="http://schemas.microsoft.com/office/drawing/2014/main" id="{3756604F-1D13-4F76-8327-613D3F404805}"/>
               </a:ext>
             </a:extLst>
           </p:cNvPr>
@@ -17298,7 +17191,43 @@
         </p:nvSpPr>
         <p:spPr>
           <a:xfrm>
-            <a:off x="5933209" y="5083443"/>
+            <a:off x="6878782" y="4597569"/>
+            <a:ext cx="2209800" cy="369332"/>
+          </a:xfrm>
+          <a:prstGeom prst="rect">
+            <a:avLst/>
+          </a:prstGeom>
+          <a:noFill/>
+        </p:spPr>
+        <p:txBody>
+          <a:bodyPr wrap="square" rtlCol="0">
+            <a:spAutoFit/>
+          </a:bodyPr>
+          <a:lstStyle/>
+          <a:p>
+            <a:r>
+              <a:rPr lang="en-US" altLang="zh-CN" dirty="0"/>
+              <a:t>Milestone 2</a:t>
+            </a:r>
+            <a:endParaRPr lang="zh-CN" altLang="en-US" dirty="0"/>
+          </a:p>
+        </p:txBody>
+      </p:sp>
+      <p:sp>
+        <p:nvSpPr>
+          <p:cNvPr id="19" name="文本框 18">
+            <a:extLst>
+              <a:ext uri="{FF2B5EF4-FFF2-40B4-BE49-F238E27FC236}">
+                <a16:creationId xmlns:a16="http://schemas.microsoft.com/office/drawing/2014/main" id="{EFFC1164-AD5C-40A7-89F2-33E1F51DE4C2}"/>
+              </a:ext>
+            </a:extLst>
+          </p:cNvPr>
+          <p:cNvSpPr txBox="1"/>
+          <p:nvPr/>
+        </p:nvSpPr>
+        <p:spPr>
+          <a:xfrm>
+            <a:off x="6553200" y="5083443"/>
             <a:ext cx="2067792" cy="1311128"/>
           </a:xfrm>
           <a:prstGeom prst="rect">
@@ -17376,51 +17305,61 @@
           </a:p>
         </p:txBody>
       </p:sp>
-      <p:pic>
-        <p:nvPicPr>
-          <p:cNvPr id="9" name="图形 8" descr="日历">
+      <p:cxnSp>
+        <p:nvCxnSpPr>
+          <p:cNvPr id="16" name="连接符: 肘形 15">
             <a:extLst>
               <a:ext uri="{FF2B5EF4-FFF2-40B4-BE49-F238E27FC236}">
-                <a16:creationId xmlns:a16="http://schemas.microsoft.com/office/drawing/2014/main" id="{3A55F144-D696-4B19-9185-D951FBC0DEDD}"/>
+                <a16:creationId xmlns:a16="http://schemas.microsoft.com/office/drawing/2014/main" id="{2DE3744F-1B5F-4C0A-B83E-163C142896FA}"/>
               </a:ext>
             </a:extLst>
           </p:cNvPr>
-          <p:cNvPicPr>
-            <a:picLocks noChangeAspect="1"/>
-          </p:cNvPicPr>
+          <p:cNvCxnSpPr>
+            <a:cxnSpLocks/>
+          </p:cNvCxnSpPr>
           <p:nvPr/>
-        </p:nvPicPr>
-        <p:blipFill>
-          <a:blip r:embed="rId4">
-            <a:extLst>
-              <a:ext uri="{28A0092B-C50C-407E-A947-70E740481C1C}">
-                <a14:useLocalDpi xmlns:a14="http://schemas.microsoft.com/office/drawing/2010/main" val="0"/>
-              </a:ext>
-              <a:ext uri="{96DAC541-7B7A-43D3-8B79-37D633B846F1}">
-                <asvg:svgBlip xmlns:asvg="http://schemas.microsoft.com/office/drawing/2016/SVG/main" r:embed="rId5"/>
-              </a:ext>
-            </a:extLst>
-          </a:blip>
-          <a:stretch>
-            <a:fillRect/>
-          </a:stretch>
-        </p:blipFill>
-        <p:spPr>
-          <a:xfrm>
-            <a:off x="862388" y="911782"/>
-            <a:ext cx="648000" cy="648000"/>
+        </p:nvCxnSpPr>
+        <p:spPr bwMode="auto">
+          <a:xfrm rot="5400000">
+            <a:off x="5261719" y="1869474"/>
+            <a:ext cx="1435473" cy="1200898"/>
           </a:xfrm>
-          <a:prstGeom prst="rect">
-            <a:avLst/>
+          <a:prstGeom prst="bentConnector3">
+            <a:avLst>
+              <a:gd name="adj1" fmla="val 373"/>
+            </a:avLst>
           </a:prstGeom>
+          <a:ln w="12700" cap="flat" cmpd="sng" algn="ctr">
+            <a:solidFill>
+              <a:schemeClr val="dk1"/>
+            </a:solidFill>
+            <a:prstDash val="solid"/>
+            <a:round/>
+            <a:headEnd type="none" w="med" len="med"/>
+            <a:tailEnd type="oval" w="lg" len="lg"/>
+          </a:ln>
         </p:spPr>
-      </p:pic>
+        <p:style>
+          <a:lnRef idx="0">
+            <a:scrgbClr r="0" g="0" b="0"/>
+          </a:lnRef>
+          <a:fillRef idx="0">
+            <a:scrgbClr r="0" g="0" b="0"/>
+          </a:fillRef>
+          <a:effectRef idx="0">
+            <a:scrgbClr r="0" g="0" b="0"/>
+          </a:effectRef>
+          <a:fontRef idx="minor">
+            <a:schemeClr val="tx1"/>
+          </a:fontRef>
+        </p:style>
+      </p:cxnSp>
       <p:sp>
         <p:nvSpPr>
-          <p:cNvPr id="10" name="文本框 9">
+          <p:cNvPr id="12" name="文本框 11">
             <a:extLst>
               <a:ext uri="{FF2B5EF4-FFF2-40B4-BE49-F238E27FC236}">
-                <a16:creationId xmlns:a16="http://schemas.microsoft.com/office/drawing/2014/main" id="{3F324E6E-3A5A-4B20-8F79-BF47B7C9F8A8}"/>
+                <a16:creationId xmlns:a16="http://schemas.microsoft.com/office/drawing/2014/main" id="{778E9684-155C-42AA-AE0C-1F3C7AE0148C}"/>
               </a:ext>
             </a:extLst>
           </p:cNvPr>
@@ -17429,8 +17368,8 @@
         </p:nvSpPr>
         <p:spPr>
           <a:xfrm>
-            <a:off x="1510388" y="1028305"/>
-            <a:ext cx="2209800" cy="523220"/>
+            <a:off x="5398670" y="1406511"/>
+            <a:ext cx="2209800" cy="369332"/>
           </a:xfrm>
           <a:prstGeom prst="rect">
             <a:avLst/>
@@ -17444,17 +17383,102 @@
           <a:lstStyle/>
           <a:p>
             <a:r>
-              <a:rPr lang="en-US" altLang="zh-CN" sz="2800" dirty="0"/>
-              <a:t>Plan</a:t>
+              <a:rPr lang="en-US" altLang="zh-CN" dirty="0"/>
+              <a:t>Lecture 2</a:t>
             </a:r>
-            <a:endParaRPr lang="zh-CN" altLang="en-US" sz="2800" dirty="0"/>
+            <a:endParaRPr lang="zh-CN" altLang="en-US" dirty="0"/>
           </a:p>
         </p:txBody>
       </p:sp>
+      <p:sp>
+        <p:nvSpPr>
+          <p:cNvPr id="13" name="文本框 12">
+            <a:extLst>
+              <a:ext uri="{FF2B5EF4-FFF2-40B4-BE49-F238E27FC236}">
+                <a16:creationId xmlns:a16="http://schemas.microsoft.com/office/drawing/2014/main" id="{E38C35C8-B53B-4EAA-89A3-1A3F78A75E4D}"/>
+              </a:ext>
+            </a:extLst>
+          </p:cNvPr>
+          <p:cNvSpPr txBox="1"/>
+          <p:nvPr/>
+        </p:nvSpPr>
+        <p:spPr>
+          <a:xfrm>
+            <a:off x="8534400" y="1406511"/>
+            <a:ext cx="2209800" cy="369332"/>
+          </a:xfrm>
+          <a:prstGeom prst="rect">
+            <a:avLst/>
+          </a:prstGeom>
+          <a:noFill/>
+        </p:spPr>
+        <p:txBody>
+          <a:bodyPr wrap="square" rtlCol="0">
+            <a:spAutoFit/>
+          </a:bodyPr>
+          <a:lstStyle/>
+          <a:p>
+            <a:r>
+              <a:rPr lang="en-US" altLang="zh-CN" dirty="0"/>
+              <a:t>Lecture 3</a:t>
+            </a:r>
+            <a:endParaRPr lang="zh-CN" altLang="en-US" dirty="0"/>
+          </a:p>
+        </p:txBody>
+      </p:sp>
+      <p:cxnSp>
+        <p:nvCxnSpPr>
+          <p:cNvPr id="26" name="连接符: 肘形 25">
+            <a:extLst>
+              <a:ext uri="{FF2B5EF4-FFF2-40B4-BE49-F238E27FC236}">
+                <a16:creationId xmlns:a16="http://schemas.microsoft.com/office/drawing/2014/main" id="{C56AFD70-1FFE-43B9-A6E3-7CD22E617C79}"/>
+              </a:ext>
+            </a:extLst>
+          </p:cNvPr>
+          <p:cNvCxnSpPr>
+            <a:cxnSpLocks/>
+          </p:cNvCxnSpPr>
+          <p:nvPr/>
+        </p:nvCxnSpPr>
+        <p:spPr bwMode="auto">
+          <a:xfrm rot="5400000">
+            <a:off x="8015584" y="2204071"/>
+            <a:ext cx="2092635" cy="1236178"/>
+          </a:xfrm>
+          <a:prstGeom prst="bentConnector3">
+            <a:avLst>
+              <a:gd name="adj1" fmla="val 207"/>
+            </a:avLst>
+          </a:prstGeom>
+          <a:ln w="12700" cap="flat" cmpd="sng" algn="ctr">
+            <a:solidFill>
+              <a:schemeClr val="dk1"/>
+            </a:solidFill>
+            <a:prstDash val="solid"/>
+            <a:round/>
+            <a:headEnd type="none" w="med" len="med"/>
+            <a:tailEnd type="oval" w="lg" len="lg"/>
+          </a:ln>
+        </p:spPr>
+        <p:style>
+          <a:lnRef idx="0">
+            <a:scrgbClr r="0" g="0" b="0"/>
+          </a:lnRef>
+          <a:fillRef idx="0">
+            <a:scrgbClr r="0" g="0" b="0"/>
+          </a:fillRef>
+          <a:effectRef idx="0">
+            <a:scrgbClr r="0" g="0" b="0"/>
+          </a:effectRef>
+          <a:fontRef idx="minor">
+            <a:schemeClr val="tx1"/>
+          </a:fontRef>
+        </p:style>
+      </p:cxnSp>
     </p:spTree>
     <p:extLst>
       <p:ext uri="{BB962C8B-B14F-4D97-AF65-F5344CB8AC3E}">
-        <p14:creationId xmlns:p14="http://schemas.microsoft.com/office/powerpoint/2010/main" val="3023268889"/>
+        <p14:creationId xmlns:p14="http://schemas.microsoft.com/office/powerpoint/2010/main" val="199227999"/>
       </p:ext>
     </p:extLst>
   </p:cSld>

--- a/orga/Milstone_1.pptx
+++ b/orga/Milstone_1.pptx
@@ -5,16 +5,17 @@
     <p:sldMasterId id="2147483660" r:id="rId1"/>
   </p:sldMasterIdLst>
   <p:notesMasterIdLst>
-    <p:notesMasterId r:id="rId9"/>
+    <p:notesMasterId r:id="rId10"/>
   </p:notesMasterIdLst>
   <p:sldIdLst>
     <p:sldId id="256" r:id="rId2"/>
     <p:sldId id="336" r:id="rId3"/>
-    <p:sldId id="337" r:id="rId4"/>
-    <p:sldId id="338" r:id="rId5"/>
-    <p:sldId id="343" r:id="rId6"/>
-    <p:sldId id="344" r:id="rId7"/>
-    <p:sldId id="329" r:id="rId8"/>
+    <p:sldId id="345" r:id="rId4"/>
+    <p:sldId id="337" r:id="rId5"/>
+    <p:sldId id="338" r:id="rId6"/>
+    <p:sldId id="343" r:id="rId7"/>
+    <p:sldId id="344" r:id="rId8"/>
+    <p:sldId id="329" r:id="rId9"/>
   </p:sldIdLst>
   <p:sldSz cx="12192000" cy="6858000"/>
   <p:notesSz cx="6858000" cy="9144000"/>
@@ -120,6 +121,7 @@
           <p14:sldIdLst>
             <p14:sldId id="256"/>
             <p14:sldId id="336"/>
+            <p14:sldId id="345"/>
             <p14:sldId id="337"/>
             <p14:sldId id="338"/>
             <p14:sldId id="343"/>
@@ -3627,7 +3629,7 @@
     </p:spTree>
     <p:extLst>
       <p:ext uri="{BB962C8B-B14F-4D97-AF65-F5344CB8AC3E}">
-        <p14:creationId xmlns:p14="http://schemas.microsoft.com/office/powerpoint/2010/main" val="2515665221"/>
+        <p14:creationId xmlns:p14="http://schemas.microsoft.com/office/powerpoint/2010/main" val="891069220"/>
       </p:ext>
     </p:extLst>
   </p:cSld>
@@ -3712,7 +3714,7 @@
     </p:spTree>
     <p:extLst>
       <p:ext uri="{BB962C8B-B14F-4D97-AF65-F5344CB8AC3E}">
-        <p14:creationId xmlns:p14="http://schemas.microsoft.com/office/powerpoint/2010/main" val="1371922885"/>
+        <p14:creationId xmlns:p14="http://schemas.microsoft.com/office/powerpoint/2010/main" val="2515665221"/>
       </p:ext>
     </p:extLst>
   </p:cSld>
@@ -3797,7 +3799,7 @@
     </p:spTree>
     <p:extLst>
       <p:ext uri="{BB962C8B-B14F-4D97-AF65-F5344CB8AC3E}">
-        <p14:creationId xmlns:p14="http://schemas.microsoft.com/office/powerpoint/2010/main" val="3899464879"/>
+        <p14:creationId xmlns:p14="http://schemas.microsoft.com/office/powerpoint/2010/main" val="1371922885"/>
       </p:ext>
     </p:extLst>
   </p:cSld>
@@ -3882,6 +3884,91 @@
     </p:spTree>
     <p:extLst>
       <p:ext uri="{BB962C8B-B14F-4D97-AF65-F5344CB8AC3E}">
+        <p14:creationId xmlns:p14="http://schemas.microsoft.com/office/powerpoint/2010/main" val="3899464879"/>
+      </p:ext>
+    </p:extLst>
+  </p:cSld>
+  <p:clrMapOvr>
+    <a:masterClrMapping/>
+  </p:clrMapOvr>
+</p:notes>
+</file>
+
+<file path=ppt/notesSlides/notesSlide7.xml><?xml version="1.0" encoding="utf-8"?>
+<p:notes xmlns:a="http://schemas.openxmlformats.org/drawingml/2006/main" xmlns:r="http://schemas.openxmlformats.org/officeDocument/2006/relationships" xmlns:p="http://schemas.openxmlformats.org/presentationml/2006/main">
+  <p:cSld>
+    <p:spTree>
+      <p:nvGrpSpPr>
+        <p:cNvPr id="1" name=""/>
+        <p:cNvGrpSpPr/>
+        <p:nvPr/>
+      </p:nvGrpSpPr>
+      <p:grpSpPr>
+        <a:xfrm>
+          <a:off x="0" y="0"/>
+          <a:ext cx="0" cy="0"/>
+          <a:chOff x="0" y="0"/>
+          <a:chExt cx="0" cy="0"/>
+        </a:xfrm>
+      </p:grpSpPr>
+      <p:sp>
+        <p:nvSpPr>
+          <p:cNvPr id="2" name="幻灯片图像占位符 1"/>
+          <p:cNvSpPr>
+            <a:spLocks noGrp="1" noRot="1" noChangeAspect="1"/>
+          </p:cNvSpPr>
+          <p:nvPr>
+            <p:ph type="sldImg"/>
+          </p:nvPr>
+        </p:nvSpPr>
+        <p:spPr/>
+      </p:sp>
+      <p:sp>
+        <p:nvSpPr>
+          <p:cNvPr id="3" name="备注占位符 2"/>
+          <p:cNvSpPr>
+            <a:spLocks noGrp="1"/>
+          </p:cNvSpPr>
+          <p:nvPr>
+            <p:ph type="body" idx="1"/>
+          </p:nvPr>
+        </p:nvSpPr>
+        <p:spPr/>
+        <p:txBody>
+          <a:bodyPr/>
+          <a:lstStyle/>
+          <a:p>
+            <a:endParaRPr lang="zh-CN" altLang="en-US" dirty="0"/>
+          </a:p>
+        </p:txBody>
+      </p:sp>
+      <p:sp>
+        <p:nvSpPr>
+          <p:cNvPr id="4" name="灯片编号占位符 3"/>
+          <p:cNvSpPr>
+            <a:spLocks noGrp="1"/>
+          </p:cNvSpPr>
+          <p:nvPr>
+            <p:ph type="sldNum" sz="quarter" idx="5"/>
+          </p:nvPr>
+        </p:nvSpPr>
+        <p:spPr/>
+        <p:txBody>
+          <a:bodyPr/>
+          <a:lstStyle/>
+          <a:p>
+            <a:fld id="{B009E50F-F78E-4BAA-81BB-4B3829CCDECC}" type="slidenum">
+              <a:rPr lang="de-DE" smtClean="0"/>
+              <a:pPr/>
+              <a:t>7</a:t>
+            </a:fld>
+            <a:endParaRPr lang="de-DE"/>
+          </a:p>
+        </p:txBody>
+      </p:sp>
+    </p:spTree>
+    <p:extLst>
+      <p:ext uri="{BB962C8B-B14F-4D97-AF65-F5344CB8AC3E}">
         <p14:creationId xmlns:p14="http://schemas.microsoft.com/office/powerpoint/2010/main" val="2634506185"/>
       </p:ext>
     </p:extLst>
@@ -3892,7 +3979,7 @@
 </p:notes>
 </file>
 
-<file path=ppt/notesSlides/notesSlide7.xml><?xml version="1.0" encoding="utf-8"?>
+<file path=ppt/notesSlides/notesSlide8.xml><?xml version="1.0" encoding="utf-8"?>
 <p:notes xmlns:a="http://schemas.openxmlformats.org/drawingml/2006/main" xmlns:r="http://schemas.openxmlformats.org/officeDocument/2006/relationships" xmlns:p="http://schemas.openxmlformats.org/presentationml/2006/main">
   <p:cSld>
     <p:spTree>
@@ -3958,7 +4045,7 @@
             <a:fld id="{B009E50F-F78E-4BAA-81BB-4B3829CCDECC}" type="slidenum">
               <a:rPr lang="de-DE" smtClean="0"/>
               <a:pPr/>
-              <a:t>7</a:t>
+              <a:t>8</a:t>
             </a:fld>
             <a:endParaRPr lang="de-DE"/>
           </a:p>
@@ -14140,13 +14227,13 @@
           <p:nvPr>
             <p:extLst>
               <p:ext uri="{D42A27DB-BD31-4B8C-83A1-F6EECF244321}">
-                <p14:modId xmlns:p14="http://schemas.microsoft.com/office/powerpoint/2010/main" val="3520272199"/>
+                <p14:modId xmlns:p14="http://schemas.microsoft.com/office/powerpoint/2010/main" val="2163961394"/>
               </p:ext>
             </p:extLst>
           </p:nvPr>
         </p:nvGraphicFramePr>
         <p:xfrm>
-          <a:off x="987136" y="1708666"/>
+          <a:off x="917864" y="2617082"/>
           <a:ext cx="5715000" cy="3655413"/>
         </p:xfrm>
         <a:graphic>
@@ -14155,6 +14242,284 @@
           </a:graphicData>
         </a:graphic>
       </p:graphicFrame>
+      <p:grpSp>
+        <p:nvGrpSpPr>
+          <p:cNvPr id="10" name="组合 9">
+            <a:extLst>
+              <a:ext uri="{FF2B5EF4-FFF2-40B4-BE49-F238E27FC236}">
+                <a16:creationId xmlns:a16="http://schemas.microsoft.com/office/drawing/2014/main" id="{BD8E7033-2243-4D10-9C23-2D1E93D1AB57}"/>
+              </a:ext>
+            </a:extLst>
+          </p:cNvPr>
+          <p:cNvGrpSpPr/>
+          <p:nvPr/>
+        </p:nvGrpSpPr>
+        <p:grpSpPr>
+          <a:xfrm>
+            <a:off x="924164" y="1524000"/>
+            <a:ext cx="944554" cy="1349361"/>
+            <a:chOff x="0" y="1405"/>
+            <a:chExt cx="944554" cy="1349361"/>
+          </a:xfrm>
+        </p:grpSpPr>
+        <p:sp>
+          <p:nvSpPr>
+            <p:cNvPr id="11" name="箭头: V 形 10">
+              <a:extLst>
+                <a:ext uri="{FF2B5EF4-FFF2-40B4-BE49-F238E27FC236}">
+                  <a16:creationId xmlns:a16="http://schemas.microsoft.com/office/drawing/2014/main" id="{7D87644E-D581-4FC1-B08C-FE667EAE66A0}"/>
+                </a:ext>
+              </a:extLst>
+            </p:cNvPr>
+            <p:cNvSpPr/>
+            <p:nvPr/>
+          </p:nvSpPr>
+          <p:spPr>
+            <a:xfrm rot="5400000">
+              <a:off x="-202404" y="203809"/>
+              <a:ext cx="1349361" cy="944553"/>
+            </a:xfrm>
+            <a:prstGeom prst="chevron">
+              <a:avLst/>
+            </a:prstGeom>
+          </p:spPr>
+          <p:style>
+            <a:lnRef idx="2">
+              <a:schemeClr val="accent1">
+                <a:hueOff val="0"/>
+                <a:satOff val="0"/>
+                <a:lumOff val="0"/>
+                <a:alphaOff val="0"/>
+              </a:schemeClr>
+            </a:lnRef>
+            <a:fillRef idx="1">
+              <a:schemeClr val="accent1">
+                <a:hueOff val="0"/>
+                <a:satOff val="0"/>
+                <a:lumOff val="0"/>
+                <a:alphaOff val="0"/>
+              </a:schemeClr>
+            </a:fillRef>
+            <a:effectRef idx="0">
+              <a:schemeClr val="accent1">
+                <a:hueOff val="0"/>
+                <a:satOff val="0"/>
+                <a:lumOff val="0"/>
+                <a:alphaOff val="0"/>
+              </a:schemeClr>
+            </a:effectRef>
+            <a:fontRef idx="minor">
+              <a:schemeClr val="lt1"/>
+            </a:fontRef>
+          </p:style>
+        </p:sp>
+        <p:sp>
+          <p:nvSpPr>
+            <p:cNvPr id="12" name="箭头: V 形 4">
+              <a:extLst>
+                <a:ext uri="{FF2B5EF4-FFF2-40B4-BE49-F238E27FC236}">
+                  <a16:creationId xmlns:a16="http://schemas.microsoft.com/office/drawing/2014/main" id="{AF11F6BF-F905-4E38-B3AA-5DB09DABFC38}"/>
+                </a:ext>
+              </a:extLst>
+            </p:cNvPr>
+            <p:cNvSpPr txBox="1"/>
+            <p:nvPr/>
+          </p:nvSpPr>
+          <p:spPr>
+            <a:xfrm>
+              <a:off x="1" y="473682"/>
+              <a:ext cx="944553" cy="404808"/>
+            </a:xfrm>
+            <a:prstGeom prst="rect">
+              <a:avLst/>
+            </a:prstGeom>
+          </p:spPr>
+          <p:style>
+            <a:lnRef idx="0">
+              <a:scrgbClr r="0" g="0" b="0"/>
+            </a:lnRef>
+            <a:fillRef idx="0">
+              <a:scrgbClr r="0" g="0" b="0"/>
+            </a:fillRef>
+            <a:effectRef idx="0">
+              <a:scrgbClr r="0" g="0" b="0"/>
+            </a:effectRef>
+            <a:fontRef idx="minor">
+              <a:schemeClr val="lt1"/>
+            </a:fontRef>
+          </p:style>
+          <p:txBody>
+            <a:bodyPr spcFirstLastPara="0" vert="horz" wrap="square" lIns="17780" tIns="17780" rIns="17780" bIns="17780" numCol="1" spcCol="1270" anchor="ctr" anchorCtr="0">
+              <a:noAutofit/>
+            </a:bodyPr>
+            <a:lstStyle/>
+            <a:p>
+              <a:pPr marL="0" lvl="0" indent="0" algn="ctr" defTabSz="1244600">
+                <a:lnSpc>
+                  <a:spcPct val="90000"/>
+                </a:lnSpc>
+                <a:spcBef>
+                  <a:spcPct val="0"/>
+                </a:spcBef>
+                <a:spcAft>
+                  <a:spcPct val="35000"/>
+                </a:spcAft>
+                <a:buNone/>
+              </a:pPr>
+              <a:r>
+                <a:rPr lang="en-US" altLang="zh-CN" sz="2800" kern="1200" dirty="0"/>
+                <a:t> </a:t>
+              </a:r>
+              <a:endParaRPr lang="zh-CN" altLang="en-US" sz="2800" kern="1200" dirty="0"/>
+            </a:p>
+          </p:txBody>
+        </p:sp>
+      </p:grpSp>
+      <p:grpSp>
+        <p:nvGrpSpPr>
+          <p:cNvPr id="13" name="组合 12">
+            <a:extLst>
+              <a:ext uri="{FF2B5EF4-FFF2-40B4-BE49-F238E27FC236}">
+                <a16:creationId xmlns:a16="http://schemas.microsoft.com/office/drawing/2014/main" id="{E9DC9E6C-6604-466A-AB6F-D3FD20753BAB}"/>
+              </a:ext>
+            </a:extLst>
+          </p:cNvPr>
+          <p:cNvGrpSpPr/>
+          <p:nvPr/>
+        </p:nvGrpSpPr>
+        <p:grpSpPr>
+          <a:xfrm>
+            <a:off x="1865568" y="1532965"/>
+            <a:ext cx="4770446" cy="877084"/>
+            <a:chOff x="944553" y="1406"/>
+            <a:chExt cx="4770446" cy="877084"/>
+          </a:xfrm>
+        </p:grpSpPr>
+        <p:sp>
+          <p:nvSpPr>
+            <p:cNvPr id="14" name="矩形: 圆顶角 13">
+              <a:extLst>
+                <a:ext uri="{FF2B5EF4-FFF2-40B4-BE49-F238E27FC236}">
+                  <a16:creationId xmlns:a16="http://schemas.microsoft.com/office/drawing/2014/main" id="{E1D16D83-4F7A-447D-9BE9-CCB5EE265EFB}"/>
+                </a:ext>
+              </a:extLst>
+            </p:cNvPr>
+            <p:cNvSpPr/>
+            <p:nvPr/>
+          </p:nvSpPr>
+          <p:spPr>
+            <a:xfrm rot="5400000">
+              <a:off x="2891234" y="-1945275"/>
+              <a:ext cx="877084" cy="4770446"/>
+            </a:xfrm>
+            <a:prstGeom prst="round2SameRect">
+              <a:avLst/>
+            </a:prstGeom>
+          </p:spPr>
+          <p:style>
+            <a:lnRef idx="2">
+              <a:schemeClr val="accent1">
+                <a:hueOff val="0"/>
+                <a:satOff val="0"/>
+                <a:lumOff val="0"/>
+                <a:alphaOff val="0"/>
+              </a:schemeClr>
+            </a:lnRef>
+            <a:fillRef idx="1">
+              <a:schemeClr val="lt1">
+                <a:alpha val="90000"/>
+                <a:hueOff val="0"/>
+                <a:satOff val="0"/>
+                <a:lumOff val="0"/>
+                <a:alphaOff val="0"/>
+              </a:schemeClr>
+            </a:fillRef>
+            <a:effectRef idx="0">
+              <a:schemeClr val="lt1">
+                <a:alpha val="90000"/>
+                <a:hueOff val="0"/>
+                <a:satOff val="0"/>
+                <a:lumOff val="0"/>
+                <a:alphaOff val="0"/>
+              </a:schemeClr>
+            </a:effectRef>
+            <a:fontRef idx="minor">
+              <a:schemeClr val="dk1">
+                <a:hueOff val="0"/>
+                <a:satOff val="0"/>
+                <a:lumOff val="0"/>
+                <a:alphaOff val="0"/>
+              </a:schemeClr>
+            </a:fontRef>
+          </p:style>
+        </p:sp>
+        <p:sp>
+          <p:nvSpPr>
+            <p:cNvPr id="15" name="矩形: 圆顶角 4">
+              <a:extLst>
+                <a:ext uri="{FF2B5EF4-FFF2-40B4-BE49-F238E27FC236}">
+                  <a16:creationId xmlns:a16="http://schemas.microsoft.com/office/drawing/2014/main" id="{EF326519-0C47-4B42-9C07-6986B9391F77}"/>
+                </a:ext>
+              </a:extLst>
+            </p:cNvPr>
+            <p:cNvSpPr txBox="1"/>
+            <p:nvPr/>
+          </p:nvSpPr>
+          <p:spPr>
+            <a:xfrm>
+              <a:off x="944553" y="44222"/>
+              <a:ext cx="4727630" cy="791452"/>
+            </a:xfrm>
+            <a:prstGeom prst="rect">
+              <a:avLst/>
+            </a:prstGeom>
+          </p:spPr>
+          <p:style>
+            <a:lnRef idx="0">
+              <a:scrgbClr r="0" g="0" b="0"/>
+            </a:lnRef>
+            <a:fillRef idx="0">
+              <a:scrgbClr r="0" g="0" b="0"/>
+            </a:fillRef>
+            <a:effectRef idx="0">
+              <a:scrgbClr r="0" g="0" b="0"/>
+            </a:effectRef>
+            <a:fontRef idx="minor">
+              <a:schemeClr val="dk1">
+                <a:hueOff val="0"/>
+                <a:satOff val="0"/>
+                <a:lumOff val="0"/>
+                <a:alphaOff val="0"/>
+              </a:schemeClr>
+            </a:fontRef>
+          </p:style>
+          <p:txBody>
+            <a:bodyPr spcFirstLastPara="0" vert="horz" wrap="square" lIns="199136" tIns="17780" rIns="17780" bIns="17780" numCol="1" spcCol="1270" anchor="ctr" anchorCtr="0">
+              <a:noAutofit/>
+            </a:bodyPr>
+            <a:lstStyle/>
+            <a:p>
+              <a:pPr marL="285750" lvl="1" indent="-285750" algn="l" defTabSz="1244600">
+                <a:lnSpc>
+                  <a:spcPct val="90000"/>
+                </a:lnSpc>
+                <a:spcBef>
+                  <a:spcPct val="0"/>
+                </a:spcBef>
+                <a:spcAft>
+                  <a:spcPct val="15000"/>
+                </a:spcAft>
+                <a:buChar char="•"/>
+              </a:pPr>
+              <a:r>
+                <a:rPr lang="en-US" altLang="zh-CN" sz="2800" kern="1200" dirty="0"/>
+                <a:t>Motivation</a:t>
+              </a:r>
+              <a:endParaRPr lang="zh-CN" altLang="en-US" sz="2800" kern="1200" dirty="0"/>
+            </a:p>
+          </p:txBody>
+        </p:sp>
+      </p:grpSp>
     </p:spTree>
     <p:extLst>
       <p:ext uri="{BB962C8B-B14F-4D97-AF65-F5344CB8AC3E}">
@@ -14315,6 +14680,472 @@
                 <a:defRPr/>
               </a:pPr>
               <a:t>3</a:t>
+            </a:fld>
+            <a:endParaRPr lang="en-US" dirty="0"/>
+          </a:p>
+        </p:txBody>
+      </p:sp>
+      <p:sp>
+        <p:nvSpPr>
+          <p:cNvPr id="7" name="文本框 6">
+            <a:extLst>
+              <a:ext uri="{FF2B5EF4-FFF2-40B4-BE49-F238E27FC236}">
+                <a16:creationId xmlns:a16="http://schemas.microsoft.com/office/drawing/2014/main" id="{4B4B9DE8-3E5B-4A54-AF75-451436B70A38}"/>
+              </a:ext>
+            </a:extLst>
+          </p:cNvPr>
+          <p:cNvSpPr txBox="1"/>
+          <p:nvPr/>
+        </p:nvSpPr>
+        <p:spPr>
+          <a:xfrm>
+            <a:off x="1536770" y="1029561"/>
+            <a:ext cx="3352800" cy="523220"/>
+          </a:xfrm>
+          <a:prstGeom prst="rect">
+            <a:avLst/>
+          </a:prstGeom>
+          <a:noFill/>
+        </p:spPr>
+        <p:txBody>
+          <a:bodyPr wrap="square" rtlCol="0">
+            <a:spAutoFit/>
+          </a:bodyPr>
+          <a:lstStyle/>
+          <a:p>
+            <a:r>
+              <a:rPr lang="en-US" altLang="zh-CN" sz="2800" dirty="0"/>
+              <a:t>Motivation</a:t>
+            </a:r>
+            <a:endParaRPr lang="zh-CN" altLang="en-US" sz="2800" dirty="0"/>
+          </a:p>
+        </p:txBody>
+      </p:sp>
+      <p:sp>
+        <p:nvSpPr>
+          <p:cNvPr id="8" name="文本框 7">
+            <a:extLst>
+              <a:ext uri="{FF2B5EF4-FFF2-40B4-BE49-F238E27FC236}">
+                <a16:creationId xmlns:a16="http://schemas.microsoft.com/office/drawing/2014/main" id="{AD9EA3EE-8978-48E3-8E69-55755865F418}"/>
+              </a:ext>
+            </a:extLst>
+          </p:cNvPr>
+          <p:cNvSpPr txBox="1"/>
+          <p:nvPr/>
+        </p:nvSpPr>
+        <p:spPr>
+          <a:xfrm>
+            <a:off x="457200" y="1321949"/>
+            <a:ext cx="8382000" cy="369332"/>
+          </a:xfrm>
+          <a:prstGeom prst="rect">
+            <a:avLst/>
+          </a:prstGeom>
+          <a:noFill/>
+        </p:spPr>
+        <p:txBody>
+          <a:bodyPr wrap="square" rtlCol="0">
+            <a:spAutoFit/>
+          </a:bodyPr>
+          <a:lstStyle/>
+          <a:p>
+            <a:endParaRPr lang="en-US" altLang="zh-CN" dirty="0"/>
+          </a:p>
+        </p:txBody>
+      </p:sp>
+      <p:pic>
+        <p:nvPicPr>
+          <p:cNvPr id="18" name="图形 17" descr="强盗">
+            <a:extLst>
+              <a:ext uri="{FF2B5EF4-FFF2-40B4-BE49-F238E27FC236}">
+                <a16:creationId xmlns:a16="http://schemas.microsoft.com/office/drawing/2014/main" id="{45C61B52-9783-4E7A-8F6E-C0AAFF057516}"/>
+              </a:ext>
+            </a:extLst>
+          </p:cNvPr>
+          <p:cNvPicPr>
+            <a:picLocks noChangeAspect="1"/>
+          </p:cNvPicPr>
+          <p:nvPr/>
+        </p:nvPicPr>
+        <p:blipFill>
+          <a:blip r:embed="rId3">
+            <a:extLst>
+              <a:ext uri="{28A0092B-C50C-407E-A947-70E740481C1C}">
+                <a14:useLocalDpi xmlns:a14="http://schemas.microsoft.com/office/drawing/2010/main" val="0"/>
+              </a:ext>
+              <a:ext uri="{96DAC541-7B7A-43D3-8B79-37D633B846F1}">
+                <asvg:svgBlip xmlns:asvg="http://schemas.microsoft.com/office/drawing/2016/SVG/main" r:embed="rId4"/>
+              </a:ext>
+            </a:extLst>
+          </a:blip>
+          <a:stretch>
+            <a:fillRect/>
+          </a:stretch>
+        </p:blipFill>
+        <p:spPr>
+          <a:xfrm>
+            <a:off x="862388" y="1043281"/>
+            <a:ext cx="674382" cy="648000"/>
+          </a:xfrm>
+          <a:prstGeom prst="rect">
+            <a:avLst/>
+          </a:prstGeom>
+        </p:spPr>
+      </p:pic>
+      <p:pic>
+        <p:nvPicPr>
+          <p:cNvPr id="1026" name="Picture 2">
+            <a:extLst>
+              <a:ext uri="{FF2B5EF4-FFF2-40B4-BE49-F238E27FC236}">
+                <a16:creationId xmlns:a16="http://schemas.microsoft.com/office/drawing/2014/main" id="{5BF774E3-BF7F-42FA-AF35-2BDDEEFE9F66}"/>
+              </a:ext>
+            </a:extLst>
+          </p:cNvPr>
+          <p:cNvPicPr>
+            <a:picLocks noChangeAspect="1" noChangeArrowheads="1"/>
+          </p:cNvPicPr>
+          <p:nvPr/>
+        </p:nvPicPr>
+        <p:blipFill>
+          <a:blip r:embed="rId5">
+            <a:extLst>
+              <a:ext uri="{28A0092B-C50C-407E-A947-70E740481C1C}">
+                <a14:useLocalDpi xmlns:a14="http://schemas.microsoft.com/office/drawing/2010/main" val="0"/>
+              </a:ext>
+            </a:extLst>
+          </a:blip>
+          <a:srcRect/>
+          <a:stretch>
+            <a:fillRect/>
+          </a:stretch>
+        </p:blipFill>
+        <p:spPr bwMode="auto">
+          <a:xfrm>
+            <a:off x="7115738" y="1552781"/>
+            <a:ext cx="4468333" cy="2866819"/>
+          </a:xfrm>
+          <a:prstGeom prst="rect">
+            <a:avLst/>
+          </a:prstGeom>
+          <a:noFill/>
+          <a:extLst>
+            <a:ext uri="{909E8E84-426E-40DD-AFC4-6F175D3DCCD1}">
+              <a14:hiddenFill xmlns:a14="http://schemas.microsoft.com/office/drawing/2010/main">
+                <a:solidFill>
+                  <a:srgbClr val="FFFFFF"/>
+                </a:solidFill>
+              </a14:hiddenFill>
+            </a:ext>
+          </a:extLst>
+        </p:spPr>
+      </p:pic>
+      <p:sp>
+        <p:nvSpPr>
+          <p:cNvPr id="21" name="文本框 20">
+            <a:extLst>
+              <a:ext uri="{FF2B5EF4-FFF2-40B4-BE49-F238E27FC236}">
+                <a16:creationId xmlns:a16="http://schemas.microsoft.com/office/drawing/2014/main" id="{479132FE-30BE-494C-852D-ADFCEA59EA24}"/>
+              </a:ext>
+            </a:extLst>
+          </p:cNvPr>
+          <p:cNvSpPr txBox="1"/>
+          <p:nvPr/>
+        </p:nvSpPr>
+        <p:spPr>
+          <a:xfrm>
+            <a:off x="879764" y="1691281"/>
+            <a:ext cx="6099462" cy="461665"/>
+          </a:xfrm>
+          <a:prstGeom prst="rect">
+            <a:avLst/>
+          </a:prstGeom>
+          <a:noFill/>
+        </p:spPr>
+        <p:txBody>
+          <a:bodyPr wrap="square">
+            <a:spAutoFit/>
+          </a:bodyPr>
+          <a:lstStyle/>
+          <a:p>
+            <a:r>
+              <a:rPr lang="en-US" altLang="zh-CN" sz="2400" b="0" i="0" dirty="0">
+                <a:solidFill>
+                  <a:srgbClr val="1D1C1D"/>
+                </a:solidFill>
+                <a:effectLst/>
+                <a:latin typeface="+mn-ea"/>
+              </a:rPr>
+              <a:t>What is anonymization?</a:t>
+            </a:r>
+            <a:endParaRPr lang="zh-CN" altLang="en-US" sz="2400" dirty="0">
+              <a:latin typeface="+mn-ea"/>
+            </a:endParaRPr>
+          </a:p>
+        </p:txBody>
+      </p:sp>
+      <p:sp>
+        <p:nvSpPr>
+          <p:cNvPr id="23" name="文本框 22">
+            <a:extLst>
+              <a:ext uri="{FF2B5EF4-FFF2-40B4-BE49-F238E27FC236}">
+                <a16:creationId xmlns:a16="http://schemas.microsoft.com/office/drawing/2014/main" id="{C746A8F3-8AAF-408F-919F-3F010B6446C3}"/>
+              </a:ext>
+            </a:extLst>
+          </p:cNvPr>
+          <p:cNvSpPr txBox="1"/>
+          <p:nvPr/>
+        </p:nvSpPr>
+        <p:spPr>
+          <a:xfrm>
+            <a:off x="879764" y="2295293"/>
+            <a:ext cx="6099462" cy="646331"/>
+          </a:xfrm>
+          <a:prstGeom prst="rect">
+            <a:avLst/>
+          </a:prstGeom>
+          <a:noFill/>
+        </p:spPr>
+        <p:txBody>
+          <a:bodyPr wrap="square">
+            <a:spAutoFit/>
+          </a:bodyPr>
+          <a:lstStyle/>
+          <a:p>
+            <a:r>
+              <a:rPr lang="en-US" altLang="zh-CN" b="0" i="0" dirty="0">
+                <a:solidFill>
+                  <a:srgbClr val="1D1C1D"/>
+                </a:solidFill>
+                <a:effectLst/>
+                <a:latin typeface="+mn-ea"/>
+              </a:rPr>
+              <a:t>A data processing technique that removes or modifies personally identifiable information</a:t>
+            </a:r>
+            <a:endParaRPr lang="zh-CN" altLang="en-US" dirty="0">
+              <a:latin typeface="+mn-ea"/>
+            </a:endParaRPr>
+          </a:p>
+        </p:txBody>
+      </p:sp>
+      <p:sp>
+        <p:nvSpPr>
+          <p:cNvPr id="25" name="文本框 24">
+            <a:extLst>
+              <a:ext uri="{FF2B5EF4-FFF2-40B4-BE49-F238E27FC236}">
+                <a16:creationId xmlns:a16="http://schemas.microsoft.com/office/drawing/2014/main" id="{2EF483F6-DCF2-4F5A-9FB5-39567833E3DD}"/>
+              </a:ext>
+            </a:extLst>
+          </p:cNvPr>
+          <p:cNvSpPr txBox="1"/>
+          <p:nvPr/>
+        </p:nvSpPr>
+        <p:spPr>
+          <a:xfrm>
+            <a:off x="904009" y="3767930"/>
+            <a:ext cx="6099462" cy="1015663"/>
+          </a:xfrm>
+          <a:prstGeom prst="rect">
+            <a:avLst/>
+          </a:prstGeom>
+          <a:noFill/>
+        </p:spPr>
+        <p:txBody>
+          <a:bodyPr wrap="square">
+            <a:spAutoFit/>
+          </a:bodyPr>
+          <a:lstStyle/>
+          <a:p>
+            <a:r>
+              <a:rPr lang="en-US" altLang="zh-CN" sz="2400" b="0" i="0" dirty="0">
+                <a:solidFill>
+                  <a:srgbClr val="1D1C1D"/>
+                </a:solidFill>
+                <a:effectLst/>
+                <a:latin typeface="+mn-ea"/>
+              </a:rPr>
+              <a:t>Why is data anonymization so important?</a:t>
+            </a:r>
+          </a:p>
+          <a:p>
+            <a:br>
+              <a:rPr lang="en-US" altLang="zh-CN" dirty="0"/>
+            </a:br>
+            <a:r>
+              <a:rPr lang="en-US" altLang="zh-CN" b="0" i="0" dirty="0">
+                <a:solidFill>
+                  <a:srgbClr val="1D1C1D"/>
+                </a:solidFill>
+                <a:effectLst/>
+                <a:latin typeface="+mn-ea"/>
+              </a:rPr>
+              <a:t>Guaranteed privacy requires data anonymization</a:t>
+            </a:r>
+            <a:endParaRPr lang="zh-CN" altLang="en-US" dirty="0">
+              <a:latin typeface="+mn-ea"/>
+            </a:endParaRPr>
+          </a:p>
+        </p:txBody>
+      </p:sp>
+    </p:spTree>
+    <p:extLst>
+      <p:ext uri="{BB962C8B-B14F-4D97-AF65-F5344CB8AC3E}">
+        <p14:creationId xmlns:p14="http://schemas.microsoft.com/office/powerpoint/2010/main" val="120449951"/>
+      </p:ext>
+    </p:extLst>
+  </p:cSld>
+  <p:clrMapOvr>
+    <a:masterClrMapping/>
+  </p:clrMapOvr>
+  <p:transition/>
+</p:sld>
+</file>
+
+<file path=ppt/slides/slide4.xml><?xml version="1.0" encoding="utf-8"?>
+<p:sld xmlns:a="http://schemas.openxmlformats.org/drawingml/2006/main" xmlns:r="http://schemas.openxmlformats.org/officeDocument/2006/relationships" xmlns:p="http://schemas.openxmlformats.org/presentationml/2006/main">
+  <p:cSld>
+    <p:spTree>
+      <p:nvGrpSpPr>
+        <p:cNvPr id="1" name=""/>
+        <p:cNvGrpSpPr/>
+        <p:nvPr/>
+      </p:nvGrpSpPr>
+      <p:grpSpPr>
+        <a:xfrm>
+          <a:off x="0" y="0"/>
+          <a:ext cx="0" cy="0"/>
+          <a:chOff x="0" y="0"/>
+          <a:chExt cx="0" cy="0"/>
+        </a:xfrm>
+      </p:grpSpPr>
+      <p:sp>
+        <p:nvSpPr>
+          <p:cNvPr id="3" name="Titel 2">
+            <a:extLst>
+              <a:ext uri="{FF2B5EF4-FFF2-40B4-BE49-F238E27FC236}">
+                <a16:creationId xmlns:a16="http://schemas.microsoft.com/office/drawing/2014/main" id="{9BB5B5F7-4C6F-6B46-BDBF-934CE7B532FE}"/>
+              </a:ext>
+            </a:extLst>
+          </p:cNvPr>
+          <p:cNvSpPr>
+            <a:spLocks noGrp="1"/>
+          </p:cNvSpPr>
+          <p:nvPr>
+            <p:ph type="title"/>
+          </p:nvPr>
+        </p:nvSpPr>
+        <p:spPr/>
+        <p:txBody>
+          <a:bodyPr/>
+          <a:lstStyle/>
+          <a:p>
+            <a:r>
+              <a:rPr lang="de-DE" altLang="zh-CN" dirty="0"/>
+              <a:t>Anonymization of dashcam recordings</a:t>
+            </a:r>
+            <a:endParaRPr lang="en-GB" dirty="0"/>
+          </a:p>
+        </p:txBody>
+      </p:sp>
+      <p:sp>
+        <p:nvSpPr>
+          <p:cNvPr id="4" name="Fußzeilenplatzhalter 3">
+            <a:extLst>
+              <a:ext uri="{FF2B5EF4-FFF2-40B4-BE49-F238E27FC236}">
+                <a16:creationId xmlns:a16="http://schemas.microsoft.com/office/drawing/2014/main" id="{34AFA53D-E115-7047-B2CB-E9AE85F5A517}"/>
+              </a:ext>
+            </a:extLst>
+          </p:cNvPr>
+          <p:cNvSpPr>
+            <a:spLocks noGrp="1"/>
+          </p:cNvSpPr>
+          <p:nvPr>
+            <p:ph type="ftr" sz="quarter" idx="10"/>
+          </p:nvPr>
+        </p:nvSpPr>
+        <p:spPr/>
+        <p:txBody>
+          <a:bodyPr/>
+          <a:lstStyle/>
+          <a:p>
+            <a:pPr>
+              <a:defRPr/>
+            </a:pPr>
+            <a:r>
+              <a:rPr lang="de-DE" dirty="0"/>
+              <a:t>DCAITI -Projekt </a:t>
+            </a:r>
+            <a:endParaRPr lang="en-US" dirty="0"/>
+          </a:p>
+        </p:txBody>
+      </p:sp>
+      <p:sp>
+        <p:nvSpPr>
+          <p:cNvPr id="5" name="Datumsplatzhalter 4">
+            <a:extLst>
+              <a:ext uri="{FF2B5EF4-FFF2-40B4-BE49-F238E27FC236}">
+                <a16:creationId xmlns:a16="http://schemas.microsoft.com/office/drawing/2014/main" id="{1F9374B0-FBEC-4547-9C0C-1CAC1987665D}"/>
+              </a:ext>
+            </a:extLst>
+          </p:cNvPr>
+          <p:cNvSpPr>
+            <a:spLocks noGrp="1"/>
+          </p:cNvSpPr>
+          <p:nvPr>
+            <p:ph type="dt" sz="half" idx="11"/>
+          </p:nvPr>
+        </p:nvSpPr>
+        <p:spPr>
+          <a:xfrm>
+            <a:off x="318922" y="6534000"/>
+            <a:ext cx="987896" cy="324000"/>
+          </a:xfrm>
+        </p:spPr>
+        <p:txBody>
+          <a:bodyPr>
+            <a:normAutofit/>
+          </a:bodyPr>
+          <a:lstStyle/>
+          <a:p>
+            <a:pPr>
+              <a:defRPr/>
+            </a:pPr>
+            <a:r>
+              <a:rPr lang="en-US" sz="1000" dirty="0"/>
+              <a:t>18.11.2020</a:t>
+            </a:r>
+          </a:p>
+        </p:txBody>
+      </p:sp>
+      <p:sp>
+        <p:nvSpPr>
+          <p:cNvPr id="6" name="Foliennummernplatzhalter 5">
+            <a:extLst>
+              <a:ext uri="{FF2B5EF4-FFF2-40B4-BE49-F238E27FC236}">
+                <a16:creationId xmlns:a16="http://schemas.microsoft.com/office/drawing/2014/main" id="{67B413B5-FADD-FC44-8FBA-397AE201F47A}"/>
+              </a:ext>
+            </a:extLst>
+          </p:cNvPr>
+          <p:cNvSpPr>
+            <a:spLocks noGrp="1"/>
+          </p:cNvSpPr>
+          <p:nvPr>
+            <p:ph type="sldNum" sz="quarter" idx="12"/>
+          </p:nvPr>
+        </p:nvSpPr>
+        <p:spPr/>
+        <p:txBody>
+          <a:bodyPr/>
+          <a:lstStyle/>
+          <a:p>
+            <a:pPr>
+              <a:defRPr/>
+            </a:pPr>
+            <a:fld id="{E2E3A879-3F40-4230-9C68-CBA9AEDBE0AF}" type="slidenum">
+              <a:rPr lang="en-US" smtClean="0"/>
+              <a:pPr>
+                <a:defRPr/>
+              </a:pPr>
+              <a:t>4</a:t>
             </a:fld>
             <a:endParaRPr lang="en-US" dirty="0"/>
           </a:p>
@@ -14994,7 +15825,7 @@
 </p:sld>
 </file>
 
-<file path=ppt/slides/slide4.xml><?xml version="1.0" encoding="utf-8"?>
+<file path=ppt/slides/slide5.xml><?xml version="1.0" encoding="utf-8"?>
 <p:sld xmlns:a="http://schemas.openxmlformats.org/drawingml/2006/main" xmlns:r="http://schemas.openxmlformats.org/officeDocument/2006/relationships" xmlns:p="http://schemas.openxmlformats.org/presentationml/2006/main">
   <p:cSld>
     <p:spTree>
@@ -15139,7 +15970,7 @@
               <a:pPr>
                 <a:defRPr/>
               </a:pPr>
-              <a:t>4</a:t>
+              <a:t>5</a:t>
             </a:fld>
             <a:endParaRPr lang="en-US" dirty="0"/>
           </a:p>
@@ -15951,7 +16782,7 @@
 </p:sld>
 </file>
 
-<file path=ppt/slides/slide5.xml><?xml version="1.0" encoding="utf-8"?>
+<file path=ppt/slides/slide6.xml><?xml version="1.0" encoding="utf-8"?>
 <p:sld xmlns:a="http://schemas.openxmlformats.org/drawingml/2006/main" xmlns:r="http://schemas.openxmlformats.org/officeDocument/2006/relationships" xmlns:p="http://schemas.openxmlformats.org/presentationml/2006/main">
   <p:cSld>
     <p:spTree>
@@ -16096,7 +16927,7 @@
               <a:pPr>
                 <a:defRPr/>
               </a:pPr>
-              <a:t>5</a:t>
+              <a:t>6</a:t>
             </a:fld>
             <a:endParaRPr lang="en-US" dirty="0"/>
           </a:p>
@@ -16668,7 +17499,7 @@
 </p:sld>
 </file>
 
-<file path=ppt/slides/slide6.xml><?xml version="1.0" encoding="utf-8"?>
+<file path=ppt/slides/slide7.xml><?xml version="1.0" encoding="utf-8"?>
 <p:sld xmlns:a="http://schemas.openxmlformats.org/drawingml/2006/main" xmlns:r="http://schemas.openxmlformats.org/officeDocument/2006/relationships" xmlns:p="http://schemas.openxmlformats.org/presentationml/2006/main">
   <p:cSld>
     <p:spTree>
@@ -16848,7 +17679,7 @@
               <a:pPr>
                 <a:defRPr/>
               </a:pPr>
-              <a:t>6</a:t>
+              <a:t>7</a:t>
             </a:fld>
             <a:endParaRPr lang="en-US" dirty="0"/>
           </a:p>
@@ -17489,7 +18320,7 @@
 </p:sld>
 </file>
 
-<file path=ppt/slides/slide7.xml><?xml version="1.0" encoding="utf-8"?>
+<file path=ppt/slides/slide8.xml><?xml version="1.0" encoding="utf-8"?>
 <p:sld xmlns:a="http://schemas.openxmlformats.org/drawingml/2006/main" xmlns:r="http://schemas.openxmlformats.org/officeDocument/2006/relationships" xmlns:p="http://schemas.openxmlformats.org/presentationml/2006/main">
   <p:cSld>
     <p:spTree>
